--- a/canvas.pptx
+++ b/canvas.pptx
@@ -3,16 +3,18 @@
 <p:presentation xmlns:a="http://schemas.openxmlformats.org/drawingml/2006/main" xmlns:p="http://schemas.openxmlformats.org/presentationml/2006/main" xmlns:r="http://schemas.openxmlformats.org/officeDocument/2006/relationships" xmlns:p14="http://schemas.microsoft.com/office/powerpoint/2010/main" xmlns:p15="http://schemas.microsoft.com/office/powerpoint/2012/main" xmlns:mc="http://schemas.openxmlformats.org/markup-compatibility/2006">
   <p:sldMasterIdLst>
     <p:sldMasterId id="2147483648" r:id="rId2"/>
-    <p:sldMasterId id="2147483651" r:id="rId3"/>
+    <p:sldMasterId id="2147483650" r:id="rId3"/>
+    <p:sldMasterId id="2147483652" r:id="rId4"/>
   </p:sldMasterIdLst>
   <p:sldIdLst>
-    <p:sldId id="256" r:id="rId4"/>
-    <p:sldId id="257" r:id="rId5"/>
-    <p:sldId id="258" r:id="rId6"/>
-    <p:sldId id="259" r:id="rId7"/>
-    <p:sldId id="260" r:id="rId8"/>
-    <p:sldId id="261" r:id="rId9"/>
-    <p:sldId id="262" r:id="rId10"/>
+    <p:sldId id="256" r:id="rId5"/>
+    <p:sldId id="257" r:id="rId6"/>
+    <p:sldId id="258" r:id="rId7"/>
+    <p:sldId id="259" r:id="rId8"/>
+    <p:sldId id="260" r:id="rId9"/>
+    <p:sldId id="261" r:id="rId10"/>
+    <p:sldId id="262" r:id="rId11"/>
+    <p:sldId id="263" r:id="rId12"/>
   </p:sldIdLst>
   <p:sldSz cx="10080625" cy="7559675"/>
   <p:notesSz cx="7559675" cy="10691813"/>
@@ -48,17 +50,13 @@
         </p:nvSpPr>
         <p:spPr>
           <a:xfrm>
-            <a:off x="504000" y="301320"/>
-            <a:ext cx="9071640" cy="1262160"/>
+            <a:off x="504000" y="97920"/>
+            <a:ext cx="9072000" cy="1667520"/>
           </a:xfrm>
           <a:prstGeom prst="rect">
             <a:avLst/>
           </a:prstGeom>
-          <a:solidFill>
-            <a:srgbClr val="ffffff">
-              <a:alpha val="50000"/>
-            </a:srgbClr>
-          </a:solidFill>
+          <a:noFill/>
           <a:ln w="0">
             <a:noFill/>
           </a:ln>
@@ -92,17 +90,13 @@
         </p:nvSpPr>
         <p:spPr>
           <a:xfrm>
-            <a:off x="504000" y="1769040"/>
-            <a:ext cx="9071640" cy="4854960"/>
+            <a:off x="504000" y="1768680"/>
+            <a:ext cx="9072000" cy="4383720"/>
           </a:xfrm>
           <a:prstGeom prst="rect">
             <a:avLst/>
           </a:prstGeom>
-          <a:solidFill>
-            <a:srgbClr val="ffffff">
-              <a:alpha val="50000"/>
-            </a:srgbClr>
-          </a:solidFill>
+          <a:noFill/>
           <a:ln w="0">
             <a:noFill/>
           </a:ln>
@@ -113,9 +107,9 @@
           </a:bodyPr>
           <a:p>
             <a:pPr indent="0">
-              <a:spcAft>
+              <a:spcBef>
                 <a:spcPts val="1417"/>
-              </a:spcAft>
+              </a:spcBef>
               <a:buNone/>
             </a:pPr>
             <a:endParaRPr b="0" lang="bg-BG" sz="3200" spc="-1" strike="noStrike">
@@ -134,7 +128,7 @@
             <a:spLocks noGrp="1"/>
           </p:cNvSpPr>
           <p:nvPr>
-            <p:ph type="ftr" idx="2"/>
+            <p:ph type="ftr" idx="1"/>
           </p:nvPr>
         </p:nvSpPr>
         <p:spPr/>
@@ -154,14 +148,14 @@
             <a:spLocks noGrp="1"/>
           </p:cNvSpPr>
           <p:nvPr>
-            <p:ph type="sldNum" idx="3"/>
+            <p:ph type="sldNum" idx="2"/>
           </p:nvPr>
         </p:nvSpPr>
         <p:spPr/>
         <p:txBody>
           <a:bodyPr/>
           <a:p>
-            <a:fld id="{9E046A58-E922-4C6A-81D6-C9CC6EAE2808}" type="slidenum">
+            <a:fld id="{F56E20B8-BDAC-46F0-9E23-F0336F14E72A}" type="slidenum">
               <a:t>&lt;#&gt;</a:t>
             </a:fld>
           </a:p>
@@ -174,7 +168,7 @@
             <a:spLocks noGrp="1"/>
           </p:cNvSpPr>
           <p:nvPr>
-            <p:ph type="dt" idx="1"/>
+            <p:ph type="dt" idx="3"/>
           </p:nvPr>
         </p:nvSpPr>
         <p:spPr/>
@@ -195,7 +189,7 @@
 
 <file path=ppt/slideLayouts/slideLayout2.xml><?xml version="1.0" encoding="utf-8"?>
 <p:sldLayout xmlns:a="http://schemas.openxmlformats.org/drawingml/2006/main" xmlns:p="http://schemas.openxmlformats.org/presentationml/2006/main" xmlns:r="http://schemas.openxmlformats.org/officeDocument/2006/relationships" xmlns:p14="http://schemas.microsoft.com/office/powerpoint/2010/main" xmlns:p15="http://schemas.microsoft.com/office/powerpoint/2012/main" xmlns:mc="http://schemas.openxmlformats.org/markup-compatibility/2006" type="title" preserve="1">
-  <p:cSld name="Nature_Illustration">
+  <p:cSld name="Title Slide">
     <p:spTree>
       <p:nvGrpSpPr>
         <p:cNvPr id="1" name=""/>
@@ -212,7 +206,7 @@
       </p:grpSpPr>
       <p:sp>
         <p:nvSpPr>
-          <p:cNvPr id="8" name="PlaceHolder 1"/>
+          <p:cNvPr id="11" name="PlaceHolder 1"/>
           <p:cNvSpPr>
             <a:spLocks noGrp="1"/>
           </p:cNvSpPr>
@@ -222,52 +216,8 @@
         </p:nvSpPr>
         <p:spPr>
           <a:xfrm>
-            <a:off x="504000" y="301320"/>
-            <a:ext cx="9071640" cy="1262160"/>
-          </a:xfrm>
-          <a:prstGeom prst="rect">
-            <a:avLst/>
-          </a:prstGeom>
-          <a:solidFill>
-            <a:srgbClr val="ffffff">
-              <a:alpha val="50000"/>
-            </a:srgbClr>
-          </a:solidFill>
-          <a:ln w="0">
-            <a:noFill/>
-          </a:ln>
-        </p:spPr>
-        <p:txBody>
-          <a:bodyPr lIns="0" rIns="0" tIns="0" bIns="0" anchor="ctr">
-            <a:noAutofit/>
-          </a:bodyPr>
-          <a:p>
-            <a:pPr indent="0" algn="ctr">
-              <a:buNone/>
-            </a:pPr>
-            <a:endParaRPr b="0" lang="bg-BG" sz="4400" spc="-1" strike="noStrike">
-              <a:solidFill>
-                <a:srgbClr val="000000"/>
-              </a:solidFill>
-              <a:latin typeface="Arial"/>
-            </a:endParaRPr>
-          </a:p>
-        </p:txBody>
-      </p:sp>
-      <p:sp>
-        <p:nvSpPr>
-          <p:cNvPr id="9" name="PlaceHolder 2"/>
-          <p:cNvSpPr>
-            <a:spLocks noGrp="1"/>
-          </p:cNvSpPr>
-          <p:nvPr>
-            <p:ph type="subTitle"/>
-          </p:nvPr>
-        </p:nvSpPr>
-        <p:spPr>
-          <a:xfrm>
-            <a:off x="504000" y="1769040"/>
-            <a:ext cx="9071640" cy="4854960"/>
+            <a:off x="504000" y="97920"/>
+            <a:ext cx="9072000" cy="1667520"/>
           </a:xfrm>
           <a:prstGeom prst="rect">
             <a:avLst/>
@@ -285,7 +235,7 @@
             <a:pPr indent="0" algn="ctr">
               <a:buNone/>
             </a:pPr>
-            <a:endParaRPr b="0" lang="bg-BG" sz="3200" spc="-1" strike="noStrike">
+            <a:endParaRPr b="0" lang="bg-BG" sz="4400" spc="-1" strike="noStrike">
               <a:solidFill>
                 <a:srgbClr val="000000"/>
               </a:solidFill>
@@ -296,62 +246,41 @@
       </p:sp>
       <p:sp>
         <p:nvSpPr>
-          <p:cNvPr id="4" name="PlaceHolder 3"/>
+          <p:cNvPr id="12" name="PlaceHolder 2"/>
           <p:cNvSpPr>
             <a:spLocks noGrp="1"/>
           </p:cNvSpPr>
           <p:nvPr>
-            <p:ph type="ftr" idx="2"/>
+            <p:ph type="subTitle"/>
           </p:nvPr>
         </p:nvSpPr>
-        <p:spPr/>
+        <p:spPr>
+          <a:xfrm>
+            <a:off x="504000" y="1768680"/>
+            <a:ext cx="9072000" cy="4383720"/>
+          </a:xfrm>
+          <a:prstGeom prst="rect">
+            <a:avLst/>
+          </a:prstGeom>
+          <a:noFill/>
+          <a:ln w="0">
+            <a:noFill/>
+          </a:ln>
+        </p:spPr>
         <p:txBody>
-          <a:bodyPr/>
-          <a:p>
-            <a:r>
-              <a:t>Footer</a:t>
-            </a:r>
-          </a:p>
-        </p:txBody>
-      </p:sp>
-      <p:sp>
-        <p:nvSpPr>
-          <p:cNvPr id="5" name="PlaceHolder 4"/>
-          <p:cNvSpPr>
-            <a:spLocks noGrp="1"/>
-          </p:cNvSpPr>
-          <p:nvPr>
-            <p:ph type="sldNum" idx="3"/>
-          </p:nvPr>
-        </p:nvSpPr>
-        <p:spPr/>
-        <p:txBody>
-          <a:bodyPr/>
-          <a:p>
-            <a:fld id="{57CF9B39-0B42-47A7-94D1-0FA846306EFC}" type="slidenum">
-              <a:t>&lt;#&gt;</a:t>
-            </a:fld>
-          </a:p>
-        </p:txBody>
-      </p:sp>
-      <p:sp>
-        <p:nvSpPr>
-          <p:cNvPr id="6" name="PlaceHolder 5"/>
-          <p:cNvSpPr>
-            <a:spLocks noGrp="1"/>
-          </p:cNvSpPr>
-          <p:nvPr>
-            <p:ph type="dt" idx="1"/>
-          </p:nvPr>
-        </p:nvSpPr>
-        <p:spPr/>
-        <p:txBody>
-          <a:bodyPr/>
-          <a:p>
-            <a:r>
-              <a:rPr lang="bg-BG"/>
-              <a:t/>
-            </a:r>
+          <a:bodyPr lIns="0" rIns="0" tIns="0" bIns="0" anchor="ctr">
+            <a:noAutofit/>
+          </a:bodyPr>
+          <a:p>
+            <a:pPr indent="0" algn="ctr">
+              <a:buNone/>
+            </a:pPr>
+            <a:endParaRPr b="0" lang="bg-BG" sz="3200" spc="-1" strike="noStrike">
+              <a:solidFill>
+                <a:srgbClr val="000000"/>
+              </a:solidFill>
+              <a:latin typeface="Arial"/>
+            </a:endParaRPr>
           </a:p>
         </p:txBody>
       </p:sp>
@@ -361,8 +290,8 @@
 </file>
 
 <file path=ppt/slideLayouts/slideLayout3.xml><?xml version="1.0" encoding="utf-8"?>
-<p:sldLayout xmlns:a="http://schemas.openxmlformats.org/drawingml/2006/main" xmlns:p="http://schemas.openxmlformats.org/presentationml/2006/main" xmlns:r="http://schemas.openxmlformats.org/officeDocument/2006/relationships" xmlns:p14="http://schemas.microsoft.com/office/powerpoint/2010/main" xmlns:p15="http://schemas.microsoft.com/office/powerpoint/2012/main" xmlns:mc="http://schemas.openxmlformats.org/markup-compatibility/2006" type="tx" preserve="1">
-  <p:cSld name="Nature_Illustration1">
+<p:sldLayout xmlns:a="http://schemas.openxmlformats.org/drawingml/2006/main" xmlns:p="http://schemas.openxmlformats.org/presentationml/2006/main" xmlns:r="http://schemas.openxmlformats.org/officeDocument/2006/relationships" xmlns:p14="http://schemas.microsoft.com/office/powerpoint/2010/main" xmlns:p15="http://schemas.microsoft.com/office/powerpoint/2012/main" xmlns:mc="http://schemas.openxmlformats.org/markup-compatibility/2006" type="title" preserve="1">
+  <p:cSld name="По подразбиране">
     <p:spTree>
       <p:nvGrpSpPr>
         <p:cNvPr id="1" name=""/>
@@ -379,7 +308,7 @@
       </p:grpSpPr>
       <p:sp>
         <p:nvSpPr>
-          <p:cNvPr id="15" name="PlaceHolder 1"/>
+          <p:cNvPr id="18" name="PlaceHolder 1"/>
           <p:cNvSpPr>
             <a:spLocks noGrp="1"/>
           </p:cNvSpPr>
@@ -389,17 +318,13 @@
         </p:nvSpPr>
         <p:spPr>
           <a:xfrm>
-            <a:off x="504000" y="301320"/>
-            <a:ext cx="9071640" cy="1262160"/>
+            <a:off x="504000" y="97920"/>
+            <a:ext cx="9072000" cy="1667520"/>
           </a:xfrm>
           <a:prstGeom prst="rect">
             <a:avLst/>
           </a:prstGeom>
-          <a:solidFill>
-            <a:srgbClr val="ffffff">
-              <a:alpha val="50000"/>
-            </a:srgbClr>
-          </a:solidFill>
+          <a:noFill/>
           <a:ln w="0">
             <a:noFill/>
           </a:ln>
@@ -423,7 +348,170 @@
       </p:sp>
       <p:sp>
         <p:nvSpPr>
-          <p:cNvPr id="16" name="PlaceHolder 2"/>
+          <p:cNvPr id="19" name="PlaceHolder 2"/>
+          <p:cNvSpPr>
+            <a:spLocks noGrp="1"/>
+          </p:cNvSpPr>
+          <p:nvPr>
+            <p:ph type="subTitle"/>
+          </p:nvPr>
+        </p:nvSpPr>
+        <p:spPr>
+          <a:xfrm>
+            <a:off x="504000" y="1768680"/>
+            <a:ext cx="9072000" cy="4383720"/>
+          </a:xfrm>
+          <a:prstGeom prst="rect">
+            <a:avLst/>
+          </a:prstGeom>
+          <a:noFill/>
+          <a:ln w="0">
+            <a:noFill/>
+          </a:ln>
+        </p:spPr>
+        <p:txBody>
+          <a:bodyPr lIns="0" rIns="0" tIns="0" bIns="0" anchor="ctr">
+            <a:noAutofit/>
+          </a:bodyPr>
+          <a:p>
+            <a:pPr indent="0" algn="ctr">
+              <a:buNone/>
+            </a:pPr>
+            <a:endParaRPr b="0" lang="bg-BG" sz="3200" spc="-1" strike="noStrike">
+              <a:solidFill>
+                <a:srgbClr val="000000"/>
+              </a:solidFill>
+              <a:latin typeface="Arial"/>
+            </a:endParaRPr>
+          </a:p>
+        </p:txBody>
+      </p:sp>
+      <p:sp>
+        <p:nvSpPr>
+          <p:cNvPr id="4" name="PlaceHolder 3"/>
+          <p:cNvSpPr>
+            <a:spLocks noGrp="1"/>
+          </p:cNvSpPr>
+          <p:nvPr>
+            <p:ph type="ftr" idx="4"/>
+          </p:nvPr>
+        </p:nvSpPr>
+        <p:spPr/>
+        <p:txBody>
+          <a:bodyPr/>
+          <a:p>
+            <a:r>
+              <a:t>Footer</a:t>
+            </a:r>
+          </a:p>
+        </p:txBody>
+      </p:sp>
+      <p:sp>
+        <p:nvSpPr>
+          <p:cNvPr id="5" name="PlaceHolder 4"/>
+          <p:cNvSpPr>
+            <a:spLocks noGrp="1"/>
+          </p:cNvSpPr>
+          <p:nvPr>
+            <p:ph type="sldNum" idx="5"/>
+          </p:nvPr>
+        </p:nvSpPr>
+        <p:spPr/>
+        <p:txBody>
+          <a:bodyPr/>
+          <a:p>
+            <a:fld id="{7BD57357-B035-4F20-9669-7B695D6CAC23}" type="slidenum">
+              <a:t>&lt;#&gt;</a:t>
+            </a:fld>
+          </a:p>
+        </p:txBody>
+      </p:sp>
+      <p:sp>
+        <p:nvSpPr>
+          <p:cNvPr id="6" name="PlaceHolder 5"/>
+          <p:cNvSpPr>
+            <a:spLocks noGrp="1"/>
+          </p:cNvSpPr>
+          <p:nvPr>
+            <p:ph type="dt" idx="6"/>
+          </p:nvPr>
+        </p:nvSpPr>
+        <p:spPr/>
+        <p:txBody>
+          <a:bodyPr/>
+          <a:p>
+            <a:r>
+              <a:rPr lang="bg-BG"/>
+              <a:t/>
+            </a:r>
+          </a:p>
+        </p:txBody>
+      </p:sp>
+    </p:spTree>
+  </p:cSld>
+</p:sldLayout>
+</file>
+
+<file path=ppt/slideLayouts/slideLayout4.xml><?xml version="1.0" encoding="utf-8"?>
+<p:sldLayout xmlns:a="http://schemas.openxmlformats.org/drawingml/2006/main" xmlns:p="http://schemas.openxmlformats.org/presentationml/2006/main" xmlns:r="http://schemas.openxmlformats.org/officeDocument/2006/relationships" xmlns:p14="http://schemas.microsoft.com/office/powerpoint/2010/main" xmlns:p15="http://schemas.microsoft.com/office/powerpoint/2012/main" xmlns:mc="http://schemas.openxmlformats.org/markup-compatibility/2006" type="tx" preserve="1">
+  <p:cSld name="По подразбиране">
+    <p:spTree>
+      <p:nvGrpSpPr>
+        <p:cNvPr id="1" name=""/>
+        <p:cNvGrpSpPr/>
+        <p:nvPr/>
+      </p:nvGrpSpPr>
+      <p:grpSpPr>
+        <a:xfrm>
+          <a:off x="0" y="0"/>
+          <a:ext cx="0" cy="0"/>
+          <a:chOff x="0" y="0"/>
+          <a:chExt cx="0" cy="0"/>
+        </a:xfrm>
+      </p:grpSpPr>
+      <p:sp>
+        <p:nvSpPr>
+          <p:cNvPr id="20" name="PlaceHolder 1"/>
+          <p:cNvSpPr>
+            <a:spLocks noGrp="1"/>
+          </p:cNvSpPr>
+          <p:nvPr>
+            <p:ph type="title"/>
+          </p:nvPr>
+        </p:nvSpPr>
+        <p:spPr>
+          <a:xfrm>
+            <a:off x="504000" y="97920"/>
+            <a:ext cx="9072000" cy="1667520"/>
+          </a:xfrm>
+          <a:prstGeom prst="rect">
+            <a:avLst/>
+          </a:prstGeom>
+          <a:noFill/>
+          <a:ln w="0">
+            <a:noFill/>
+          </a:ln>
+        </p:spPr>
+        <p:txBody>
+          <a:bodyPr lIns="0" rIns="0" tIns="0" bIns="0" anchor="ctr">
+            <a:noAutofit/>
+          </a:bodyPr>
+          <a:p>
+            <a:pPr indent="0" algn="ctr">
+              <a:buNone/>
+            </a:pPr>
+            <a:endParaRPr b="0" lang="bg-BG" sz="4400" spc="-1" strike="noStrike">
+              <a:solidFill>
+                <a:srgbClr val="000000"/>
+              </a:solidFill>
+              <a:latin typeface="Arial"/>
+            </a:endParaRPr>
+          </a:p>
+        </p:txBody>
+      </p:sp>
+      <p:sp>
+        <p:nvSpPr>
+          <p:cNvPr id="21" name="PlaceHolder 2"/>
           <p:cNvSpPr>
             <a:spLocks noGrp="1"/>
           </p:cNvSpPr>
@@ -433,17 +521,13 @@
         </p:nvSpPr>
         <p:spPr>
           <a:xfrm>
-            <a:off x="504000" y="1769040"/>
-            <a:ext cx="9071640" cy="4854960"/>
+            <a:off x="504000" y="1768680"/>
+            <a:ext cx="9072000" cy="4383720"/>
           </a:xfrm>
           <a:prstGeom prst="rect">
             <a:avLst/>
           </a:prstGeom>
-          <a:solidFill>
-            <a:srgbClr val="ffffff">
-              <a:alpha val="50000"/>
-            </a:srgbClr>
-          </a:solidFill>
+          <a:noFill/>
           <a:ln w="0">
             <a:noFill/>
           </a:ln>
@@ -454,9 +538,9 @@
           </a:bodyPr>
           <a:p>
             <a:pPr indent="0">
-              <a:spcAft>
+              <a:spcBef>
                 <a:spcPts val="1417"/>
-              </a:spcAft>
+              </a:spcBef>
               <a:buNone/>
             </a:pPr>
             <a:endParaRPr b="0" lang="bg-BG" sz="3200" spc="-1" strike="noStrike">
@@ -475,7 +559,7 @@
             <a:spLocks noGrp="1"/>
           </p:cNvSpPr>
           <p:nvPr>
-            <p:ph type="ftr" idx="5"/>
+            <p:ph type="ftr" idx="4"/>
           </p:nvPr>
         </p:nvSpPr>
         <p:spPr/>
@@ -495,14 +579,14 @@
             <a:spLocks noGrp="1"/>
           </p:cNvSpPr>
           <p:nvPr>
-            <p:ph type="sldNum" idx="6"/>
+            <p:ph type="sldNum" idx="5"/>
           </p:nvPr>
         </p:nvSpPr>
         <p:spPr/>
         <p:txBody>
           <a:bodyPr/>
           <a:p>
-            <a:fld id="{24924CA3-2B21-4BB2-B588-612F35293ED9}" type="slidenum">
+            <a:fld id="{5A0AC449-79A4-4F63-9FF5-D633777D1A99}" type="slidenum">
               <a:t>&lt;#&gt;</a:t>
             </a:fld>
           </a:p>
@@ -515,7 +599,7 @@
             <a:spLocks noGrp="1"/>
           </p:cNvSpPr>
           <p:nvPr>
-            <p:ph type="dt" idx="4"/>
+            <p:ph type="dt" idx="6"/>
           </p:nvPr>
         </p:nvSpPr>
         <p:spPr/>
@@ -572,7 +656,7 @@
         <p:spPr>
           <a:xfrm>
             <a:off x="0" y="0"/>
-            <a:ext cx="10080000" cy="7560000"/>
+            <a:ext cx="10079280" cy="7559280"/>
           </a:xfrm>
           <a:prstGeom prst="rect">
             <a:avLst/>
@@ -594,8 +678,8 @@
         </p:nvSpPr>
         <p:spPr>
           <a:xfrm>
-            <a:off x="288000" y="1728000"/>
-            <a:ext cx="8927640" cy="1786680"/>
+            <a:off x="504000" y="97920"/>
+            <a:ext cx="9072000" cy="1667520"/>
           </a:xfrm>
           <a:prstGeom prst="rect">
             <a:avLst/>
@@ -614,15 +698,24 @@
               <a:buNone/>
             </a:pPr>
             <a:r>
-              <a:rPr b="0" lang="bg-BG" sz="4400" spc="-1" strike="noStrike">
-                <a:solidFill>
-                  <a:srgbClr val="000000"/>
-                </a:solidFill>
-                <a:latin typeface="Arial"/>
-              </a:rPr>
-              <a:t>Щракнете, за да редактирате формата на заглавието</a:t>
-            </a:r>
-            <a:endParaRPr b="0" lang="bg-BG" sz="4400" spc="-1" strike="noStrike">
+              <a:rPr b="0" lang="bg-BG" sz="1800" spc="-1" strike="noStrike">
+                <a:solidFill>
+                  <a:srgbClr val="000000"/>
+                </a:solidFill>
+                <a:latin typeface="Arial"/>
+              </a:rPr>
+              <a:t>Щракнете, за да редактирате формата на </a:t>
+            </a:r>
+            <a:r>
+              <a:rPr b="0" lang="bg-BG" sz="1800" spc="-1" strike="noStrike">
+                <a:solidFill>
+                  <a:srgbClr val="000000"/>
+                </a:solidFill>
+                <a:latin typeface="Arial"/>
+              </a:rPr>
+              <a:t>заглавието</a:t>
+            </a:r>
+            <a:endParaRPr b="0" lang="bg-BG" sz="1800" spc="-1" strike="noStrike">
               <a:solidFill>
                 <a:srgbClr val="000000"/>
               </a:solidFill>
@@ -643,8 +736,8 @@
         </p:nvSpPr>
         <p:spPr>
           <a:xfrm>
-            <a:off x="4032360" y="3854520"/>
-            <a:ext cx="5183640" cy="969480"/>
+            <a:off x="504000" y="1768680"/>
+            <a:ext cx="9072000" cy="4383720"/>
           </a:xfrm>
           <a:prstGeom prst="rect">
             <a:avLst/>
@@ -656,13 +749,13 @@
         </p:spPr>
         <p:txBody>
           <a:bodyPr lIns="0" rIns="0" tIns="0" bIns="0" anchor="t">
-            <a:normAutofit fontScale="17498"/>
+            <a:normAutofit/>
           </a:bodyPr>
           <a:p>
-            <a:pPr marL="432000" indent="-324000" algn="r">
-              <a:spcAft>
+            <a:pPr marL="432000" indent="-324000">
+              <a:spcBef>
                 <a:spcPts val="1417"/>
-              </a:spcAft>
+              </a:spcBef>
               <a:buClr>
                 <a:srgbClr val="000000"/>
               </a:buClr>
@@ -671,7 +764,7 @@
               <a:buChar char=""/>
             </a:pPr>
             <a:r>
-              <a:rPr b="0" lang="bg-BG" sz="3200" spc="-1" strike="noStrike">
+              <a:rPr b="0" lang="bg-BG" sz="1800" spc="-1" strike="noStrike">
                 <a:solidFill>
                   <a:srgbClr val="000000"/>
                 </a:solidFill>
@@ -679,18 +772,18 @@
               </a:rPr>
               <a:t>Щракнете, за да редактирате формата на плана</a:t>
             </a:r>
-            <a:endParaRPr b="0" lang="bg-BG" sz="3200" spc="-1" strike="noStrike">
-              <a:solidFill>
-                <a:srgbClr val="000000"/>
-              </a:solidFill>
-              <a:latin typeface="Arial"/>
-            </a:endParaRPr>
-          </a:p>
-          <a:p>
-            <a:pPr lvl="1" marL="864000" indent="-324000" algn="r">
-              <a:spcAft>
+            <a:endParaRPr b="0" lang="bg-BG" sz="1800" spc="-1" strike="noStrike">
+              <a:solidFill>
+                <a:srgbClr val="000000"/>
+              </a:solidFill>
+              <a:latin typeface="Arial"/>
+            </a:endParaRPr>
+          </a:p>
+          <a:p>
+            <a:pPr lvl="1" marL="864000" indent="-324000">
+              <a:spcBef>
                 <a:spcPts val="1134"/>
-              </a:spcAft>
+              </a:spcBef>
               <a:buClr>
                 <a:srgbClr val="000000"/>
               </a:buClr>
@@ -699,7 +792,7 @@
               <a:buChar char=""/>
             </a:pPr>
             <a:r>
-              <a:rPr b="0" lang="bg-BG" sz="2800" spc="-1" strike="noStrike">
+              <a:rPr b="0" lang="bg-BG" sz="1800" spc="-1" strike="noStrike">
                 <a:solidFill>
                   <a:srgbClr val="000000"/>
                 </a:solidFill>
@@ -707,18 +800,18 @@
               </a:rPr>
               <a:t>Второ ниво на плана</a:t>
             </a:r>
-            <a:endParaRPr b="0" lang="bg-BG" sz="2800" spc="-1" strike="noStrike">
-              <a:solidFill>
-                <a:srgbClr val="000000"/>
-              </a:solidFill>
-              <a:latin typeface="Arial"/>
-            </a:endParaRPr>
-          </a:p>
-          <a:p>
-            <a:pPr lvl="2" marL="1296000" indent="-288000" algn="r">
-              <a:spcAft>
+            <a:endParaRPr b="0" lang="bg-BG" sz="1800" spc="-1" strike="noStrike">
+              <a:solidFill>
+                <a:srgbClr val="000000"/>
+              </a:solidFill>
+              <a:latin typeface="Arial"/>
+            </a:endParaRPr>
+          </a:p>
+          <a:p>
+            <a:pPr lvl="2" marL="1296000" indent="-288000">
+              <a:spcBef>
                 <a:spcPts val="850"/>
-              </a:spcAft>
+              </a:spcBef>
               <a:buClr>
                 <a:srgbClr val="000000"/>
               </a:buClr>
@@ -727,7 +820,7 @@
               <a:buChar char=""/>
             </a:pPr>
             <a:r>
-              <a:rPr b="0" lang="bg-BG" sz="2400" spc="-1" strike="noStrike">
+              <a:rPr b="0" lang="bg-BG" sz="1800" spc="-1" strike="noStrike">
                 <a:solidFill>
                   <a:srgbClr val="000000"/>
                 </a:solidFill>
@@ -735,18 +828,18 @@
               </a:rPr>
               <a:t>Трето ниво на плана</a:t>
             </a:r>
-            <a:endParaRPr b="0" lang="bg-BG" sz="2400" spc="-1" strike="noStrike">
-              <a:solidFill>
-                <a:srgbClr val="000000"/>
-              </a:solidFill>
-              <a:latin typeface="Arial"/>
-            </a:endParaRPr>
-          </a:p>
-          <a:p>
-            <a:pPr lvl="3" marL="1728000" indent="-216000" algn="r">
-              <a:spcAft>
+            <a:endParaRPr b="0" lang="bg-BG" sz="1800" spc="-1" strike="noStrike">
+              <a:solidFill>
+                <a:srgbClr val="000000"/>
+              </a:solidFill>
+              <a:latin typeface="Arial"/>
+            </a:endParaRPr>
+          </a:p>
+          <a:p>
+            <a:pPr lvl="3" marL="1728000" indent="-216000">
+              <a:spcBef>
                 <a:spcPts val="567"/>
-              </a:spcAft>
+              </a:spcBef>
               <a:buClr>
                 <a:srgbClr val="000000"/>
               </a:buClr>
@@ -755,7 +848,7 @@
               <a:buChar char=""/>
             </a:pPr>
             <a:r>
-              <a:rPr b="0" lang="bg-BG" sz="2000" spc="-1" strike="noStrike">
+              <a:rPr b="0" lang="bg-BG" sz="1800" spc="-1" strike="noStrike">
                 <a:solidFill>
                   <a:srgbClr val="000000"/>
                 </a:solidFill>
@@ -763,18 +856,18 @@
               </a:rPr>
               <a:t>Четвърто ниво на плана</a:t>
             </a:r>
-            <a:endParaRPr b="0" lang="bg-BG" sz="2000" spc="-1" strike="noStrike">
-              <a:solidFill>
-                <a:srgbClr val="000000"/>
-              </a:solidFill>
-              <a:latin typeface="Arial"/>
-            </a:endParaRPr>
-          </a:p>
-          <a:p>
-            <a:pPr lvl="4" marL="2160000" indent="-216000" algn="r">
-              <a:spcAft>
+            <a:endParaRPr b="0" lang="bg-BG" sz="1800" spc="-1" strike="noStrike">
+              <a:solidFill>
+                <a:srgbClr val="000000"/>
+              </a:solidFill>
+              <a:latin typeface="Arial"/>
+            </a:endParaRPr>
+          </a:p>
+          <a:p>
+            <a:pPr lvl="4" marL="2160000" indent="-216000">
+              <a:spcBef>
                 <a:spcPts val="283"/>
-              </a:spcAft>
+              </a:spcBef>
               <a:buClr>
                 <a:srgbClr val="000000"/>
               </a:buClr>
@@ -783,7 +876,7 @@
               <a:buChar char=""/>
             </a:pPr>
             <a:r>
-              <a:rPr b="0" lang="bg-BG" sz="2000" spc="-1" strike="noStrike">
+              <a:rPr b="0" lang="bg-BG" sz="1800" spc="-1" strike="noStrike">
                 <a:solidFill>
                   <a:srgbClr val="000000"/>
                 </a:solidFill>
@@ -791,18 +884,18 @@
               </a:rPr>
               <a:t>Пето ниво на плана</a:t>
             </a:r>
-            <a:endParaRPr b="0" lang="bg-BG" sz="2000" spc="-1" strike="noStrike">
-              <a:solidFill>
-                <a:srgbClr val="000000"/>
-              </a:solidFill>
-              <a:latin typeface="Arial"/>
-            </a:endParaRPr>
-          </a:p>
-          <a:p>
-            <a:pPr lvl="5" marL="2592000" indent="-216000" algn="r">
-              <a:spcAft>
+            <a:endParaRPr b="0" lang="bg-BG" sz="1800" spc="-1" strike="noStrike">
+              <a:solidFill>
+                <a:srgbClr val="000000"/>
+              </a:solidFill>
+              <a:latin typeface="Arial"/>
+            </a:endParaRPr>
+          </a:p>
+          <a:p>
+            <a:pPr lvl="5" marL="2592000" indent="-216000">
+              <a:spcBef>
                 <a:spcPts val="283"/>
-              </a:spcAft>
+              </a:spcBef>
               <a:buClr>
                 <a:srgbClr val="000000"/>
               </a:buClr>
@@ -811,7 +904,7 @@
               <a:buChar char=""/>
             </a:pPr>
             <a:r>
-              <a:rPr b="0" lang="bg-BG" sz="2000" spc="-1" strike="noStrike">
+              <a:rPr b="0" lang="bg-BG" sz="1800" spc="-1" strike="noStrike">
                 <a:solidFill>
                   <a:srgbClr val="000000"/>
                 </a:solidFill>
@@ -819,18 +912,18 @@
               </a:rPr>
               <a:t>Шесто ниво на плана</a:t>
             </a:r>
-            <a:endParaRPr b="0" lang="bg-BG" sz="2000" spc="-1" strike="noStrike">
-              <a:solidFill>
-                <a:srgbClr val="000000"/>
-              </a:solidFill>
-              <a:latin typeface="Arial"/>
-            </a:endParaRPr>
-          </a:p>
-          <a:p>
-            <a:pPr lvl="6" marL="3024000" indent="-216000" algn="r">
-              <a:spcAft>
+            <a:endParaRPr b="0" lang="bg-BG" sz="1800" spc="-1" strike="noStrike">
+              <a:solidFill>
+                <a:srgbClr val="000000"/>
+              </a:solidFill>
+              <a:latin typeface="Arial"/>
+            </a:endParaRPr>
+          </a:p>
+          <a:p>
+            <a:pPr lvl="6" marL="3024000" indent="-216000">
+              <a:spcBef>
                 <a:spcPts val="283"/>
-              </a:spcAft>
+              </a:spcBef>
               <a:buClr>
                 <a:srgbClr val="000000"/>
               </a:buClr>
@@ -839,7 +932,7 @@
               <a:buChar char=""/>
             </a:pPr>
             <a:r>
-              <a:rPr b="0" lang="bg-BG" sz="2000" spc="-1" strike="noStrike">
+              <a:rPr b="0" lang="bg-BG" sz="1800" spc="-1" strike="noStrike">
                 <a:solidFill>
                   <a:srgbClr val="000000"/>
                 </a:solidFill>
@@ -847,7 +940,7 @@
               </a:rPr>
               <a:t>Седмо ниво на плана</a:t>
             </a:r>
-            <a:endParaRPr b="0" lang="bg-BG" sz="2000" spc="-1" strike="noStrike">
+            <a:endParaRPr b="0" lang="bg-BG" sz="1800" spc="-1" strike="noStrike">
               <a:solidFill>
                 <a:srgbClr val="000000"/>
               </a:solidFill>
@@ -863,13 +956,13 @@
             <a:spLocks noGrp="1"/>
           </p:cNvSpPr>
           <p:nvPr>
-            <p:ph type="dt" idx="1"/>
+            <p:ph type="ftr" idx="1"/>
           </p:nvPr>
         </p:nvSpPr>
         <p:spPr>
           <a:xfrm>
-            <a:off x="0" y="7200000"/>
-            <a:ext cx="2348280" cy="233280"/>
+            <a:off x="3447360" y="7200000"/>
+            <a:ext cx="3194280" cy="171720"/>
           </a:xfrm>
           <a:prstGeom prst="rect">
             <a:avLst/>
@@ -885,7 +978,13 @@
           </a:bodyPr>
           <a:lstStyle>
             <a:lvl1pPr indent="0" algn="ctr">
+              <a:lnSpc>
+                <a:spcPct val="100000"/>
+              </a:lnSpc>
               <a:buNone/>
+              <a:tabLst>
+                <a:tab algn="l" pos="0"/>
+              </a:tabLst>
               <a:defRPr b="0" lang="bg-BG" sz="1400" spc="-1" strike="noStrike">
                 <a:solidFill>
                   <a:srgbClr val="000000"/>
@@ -896,7 +995,13 @@
           </a:lstStyle>
           <a:p>
             <a:pPr indent="0" algn="ctr">
+              <a:lnSpc>
+                <a:spcPct val="100000"/>
+              </a:lnSpc>
               <a:buNone/>
+              <a:tabLst>
+                <a:tab algn="l" pos="0"/>
+              </a:tabLst>
             </a:pPr>
             <a:r>
               <a:rPr b="0" lang="bg-BG" sz="1400" spc="-1" strike="noStrike">
@@ -905,13 +1010,13 @@
                 </a:solidFill>
                 <a:latin typeface="Arial"/>
               </a:rPr>
-              <a:t>&lt;дата/час&gt;</a:t>
+              <a:t>&lt;долен колонтитул&gt;</a:t>
             </a:r>
             <a:endParaRPr b="0" lang="bg-BG" sz="1400" spc="-1" strike="noStrike">
               <a:solidFill>
                 <a:srgbClr val="000000"/>
               </a:solidFill>
-              <a:latin typeface="Arial"/>
+              <a:latin typeface="Times New Roman"/>
             </a:endParaRPr>
           </a:p>
         </p:txBody>
@@ -923,73 +1028,13 @@
             <a:spLocks noGrp="1"/>
           </p:cNvSpPr>
           <p:nvPr>
-            <p:ph type="ftr" idx="2"/>
-          </p:nvPr>
-        </p:nvSpPr>
-        <p:spPr>
-          <a:xfrm>
-            <a:off x="3447360" y="7200000"/>
-            <a:ext cx="3195000" cy="172440"/>
-          </a:xfrm>
-          <a:prstGeom prst="rect">
-            <a:avLst/>
-          </a:prstGeom>
-          <a:noFill/>
-          <a:ln w="0">
-            <a:noFill/>
-          </a:ln>
-        </p:spPr>
-        <p:txBody>
-          <a:bodyPr lIns="0" rIns="0" tIns="0" bIns="0" anchor="t">
-            <a:noAutofit/>
-          </a:bodyPr>
-          <a:lstStyle>
-            <a:lvl1pPr indent="0" algn="ctr">
-              <a:buNone/>
-              <a:defRPr b="0" lang="bg-BG" sz="1400" spc="-1" strike="noStrike">
-                <a:solidFill>
-                  <a:srgbClr val="000000"/>
-                </a:solidFill>
-                <a:latin typeface="Arial"/>
-              </a:defRPr>
-            </a:lvl1pPr>
-          </a:lstStyle>
-          <a:p>
-            <a:pPr indent="0" algn="ctr">
-              <a:buNone/>
-            </a:pPr>
-            <a:r>
-              <a:rPr b="0" lang="bg-BG" sz="1400" spc="-1" strike="noStrike">
-                <a:solidFill>
-                  <a:srgbClr val="000000"/>
-                </a:solidFill>
-                <a:latin typeface="Arial"/>
-              </a:rPr>
-              <a:t>&lt;долен колонтитул&gt;</a:t>
-            </a:r>
-            <a:endParaRPr b="0" lang="bg-BG" sz="1400" spc="-1" strike="noStrike">
-              <a:solidFill>
-                <a:srgbClr val="000000"/>
-              </a:solidFill>
-              <a:latin typeface="Arial"/>
-            </a:endParaRPr>
-          </a:p>
-        </p:txBody>
-      </p:sp>
-      <p:sp>
-        <p:nvSpPr>
-          <p:cNvPr id="5" name="PlaceHolder 5"/>
-          <p:cNvSpPr>
-            <a:spLocks noGrp="1"/>
-          </p:cNvSpPr>
-          <p:nvPr>
-            <p:ph type="sldNum" idx="3"/>
+            <p:ph type="sldNum" idx="2"/>
           </p:nvPr>
         </p:nvSpPr>
         <p:spPr>
           <a:xfrm>
             <a:off x="9288000" y="7236000"/>
-            <a:ext cx="648000" cy="288000"/>
+            <a:ext cx="647280" cy="287280"/>
           </a:xfrm>
           <a:prstGeom prst="rect">
             <a:avLst/>
@@ -1005,7 +1050,13 @@
           </a:bodyPr>
           <a:lstStyle>
             <a:lvl1pPr indent="0" algn="r">
+              <a:lnSpc>
+                <a:spcPct val="100000"/>
+              </a:lnSpc>
               <a:buNone/>
+              <a:tabLst>
+                <a:tab algn="l" pos="0"/>
+              </a:tabLst>
               <a:defRPr b="0" lang="bg-BG" sz="1400" spc="-1" strike="noStrike">
                 <a:solidFill>
                   <a:srgbClr val="000000"/>
@@ -1016,9 +1067,15 @@
           </a:lstStyle>
           <a:p>
             <a:pPr indent="0" algn="r">
+              <a:lnSpc>
+                <a:spcPct val="100000"/>
+              </a:lnSpc>
               <a:buNone/>
-            </a:pPr>
-            <a:fld id="{255F1172-5754-4540-99B1-7EF2F014340B}" type="slidenum">
+              <a:tabLst>
+                <a:tab algn="l" pos="0"/>
+              </a:tabLst>
+            </a:pPr>
+            <a:fld id="{6DB56A64-B88B-4D90-B079-7DC85EFFB7B3}" type="slidenum">
               <a:rPr b="0" lang="bg-BG" sz="1400" spc="-1" strike="noStrike">
                 <a:solidFill>
                   <a:srgbClr val="000000"/>
@@ -1031,7 +1088,67 @@
               <a:solidFill>
                 <a:srgbClr val="000000"/>
               </a:solidFill>
-              <a:latin typeface="Arial"/>
+              <a:latin typeface="Times New Roman"/>
+            </a:endParaRPr>
+          </a:p>
+        </p:txBody>
+      </p:sp>
+      <p:sp>
+        <p:nvSpPr>
+          <p:cNvPr id="5" name="PlaceHolder 5"/>
+          <p:cNvSpPr>
+            <a:spLocks noGrp="1"/>
+          </p:cNvSpPr>
+          <p:nvPr>
+            <p:ph type="dt" idx="3"/>
+          </p:nvPr>
+        </p:nvSpPr>
+        <p:spPr>
+          <a:xfrm>
+            <a:off x="0" y="7200000"/>
+            <a:ext cx="2347560" cy="232560"/>
+          </a:xfrm>
+          <a:prstGeom prst="rect">
+            <a:avLst/>
+          </a:prstGeom>
+          <a:noFill/>
+          <a:ln w="0">
+            <a:noFill/>
+          </a:ln>
+        </p:spPr>
+        <p:txBody>
+          <a:bodyPr lIns="0" rIns="0" tIns="0" bIns="0" anchor="t">
+            <a:noAutofit/>
+          </a:bodyPr>
+          <a:lstStyle>
+            <a:lvl1pPr indent="0">
+              <a:buNone/>
+              <a:defRPr b="0" lang="bg-BG" sz="1400" spc="-1" strike="noStrike">
+                <a:solidFill>
+                  <a:srgbClr val="000000"/>
+                </a:solidFill>
+                <a:latin typeface="Times New Roman"/>
+              </a:defRPr>
+            </a:lvl1pPr>
+          </a:lstStyle>
+          <a:p>
+            <a:pPr indent="0">
+              <a:buNone/>
+            </a:pPr>
+            <a:r>
+              <a:rPr b="0" lang="bg-BG" sz="1400" spc="-1" strike="noStrike">
+                <a:solidFill>
+                  <a:srgbClr val="000000"/>
+                </a:solidFill>
+                <a:latin typeface="Times New Roman"/>
+              </a:rPr>
+              <a:t>&lt;дата/час&gt;</a:t>
+            </a:r>
+            <a:endParaRPr b="0" lang="bg-BG" sz="1400" spc="-1" strike="noStrike">
+              <a:solidFill>
+                <a:srgbClr val="000000"/>
+              </a:solidFill>
+              <a:latin typeface="Times New Roman"/>
             </a:endParaRPr>
           </a:p>
         </p:txBody>
@@ -1041,7 +1158,6 @@
   <p:clrMap bg1="lt1" bg2="lt2" tx1="dk1" tx2="dk2" accent1="accent1" accent2="accent2" accent3="accent3" accent4="accent4" accent5="accent5" accent6="accent6" hlink="hlink" folHlink="folHlink"/>
   <p:sldLayoutIdLst>
     <p:sldLayoutId id="2147483649" r:id="rId4"/>
-    <p:sldLayoutId id="2147483650" r:id="rId5"/>
   </p:sldLayoutIdLst>
 </p:sldMaster>
 </file>
@@ -1049,12 +1165,334 @@
 <file path=ppt/slideMasters/slideMaster2.xml><?xml version="1.0" encoding="utf-8"?>
 <p:sldMaster xmlns:a="http://schemas.openxmlformats.org/drawingml/2006/main" xmlns:p="http://schemas.openxmlformats.org/presentationml/2006/main" xmlns:r="http://schemas.openxmlformats.org/officeDocument/2006/relationships" xmlns:p14="http://schemas.microsoft.com/office/powerpoint/2010/main" xmlns:p15="http://schemas.microsoft.com/office/powerpoint/2012/main" xmlns:mc="http://schemas.openxmlformats.org/markup-compatibility/2006">
   <p:cSld>
+    <p:spTree>
+      <p:nvGrpSpPr>
+        <p:cNvPr id="1" name=""/>
+        <p:cNvGrpSpPr/>
+        <p:nvPr/>
+      </p:nvGrpSpPr>
+      <p:grpSpPr>
+        <a:xfrm>
+          <a:off x="0" y="0"/>
+          <a:ext cx="0" cy="0"/>
+          <a:chOff x="0" y="0"/>
+          <a:chExt cx="0" cy="0"/>
+        </a:xfrm>
+      </p:grpSpPr>
+      <p:pic>
+        <p:nvPicPr>
+          <p:cNvPr id="8" name="" descr=""/>
+          <p:cNvPicPr/>
+          <p:nvPr/>
+        </p:nvPicPr>
+        <p:blipFill>
+          <a:blip r:embed="rId2"/>
+          <a:stretch/>
+        </p:blipFill>
+        <p:spPr>
+          <a:xfrm>
+            <a:off x="0" y="0"/>
+            <a:ext cx="10079640" cy="7558200"/>
+          </a:xfrm>
+          <a:prstGeom prst="rect">
+            <a:avLst/>
+          </a:prstGeom>
+          <a:ln w="0">
+            <a:noFill/>
+          </a:ln>
+        </p:spPr>
+      </p:pic>
+      <p:sp>
+        <p:nvSpPr>
+          <p:cNvPr id="9" name="PlaceHolder 1"/>
+          <p:cNvSpPr>
+            <a:spLocks noGrp="1"/>
+          </p:cNvSpPr>
+          <p:nvPr>
+            <p:ph type="title"/>
+          </p:nvPr>
+        </p:nvSpPr>
+        <p:spPr>
+          <a:xfrm>
+            <a:off x="504000" y="97920"/>
+            <a:ext cx="9072000" cy="1667520"/>
+          </a:xfrm>
+          <a:prstGeom prst="rect">
+            <a:avLst/>
+          </a:prstGeom>
+          <a:noFill/>
+          <a:ln w="0">
+            <a:noFill/>
+          </a:ln>
+        </p:spPr>
+        <p:txBody>
+          <a:bodyPr lIns="0" rIns="0" tIns="0" bIns="0" anchor="ctr">
+            <a:noAutofit/>
+          </a:bodyPr>
+          <a:p>
+            <a:pPr indent="0">
+              <a:buNone/>
+            </a:pPr>
+            <a:r>
+              <a:rPr b="0" lang="bg-BG" sz="1800" spc="-1" strike="noStrike">
+                <a:solidFill>
+                  <a:srgbClr val="000000"/>
+                </a:solidFill>
+                <a:latin typeface="Arial"/>
+              </a:rPr>
+              <a:t>Щракнете, за да редактирате формата на заглавието</a:t>
+            </a:r>
+            <a:endParaRPr b="0" lang="bg-BG" sz="1800" spc="-1" strike="noStrike">
+              <a:solidFill>
+                <a:srgbClr val="000000"/>
+              </a:solidFill>
+              <a:latin typeface="Arial"/>
+            </a:endParaRPr>
+          </a:p>
+        </p:txBody>
+      </p:sp>
+      <p:sp>
+        <p:nvSpPr>
+          <p:cNvPr id="10" name="PlaceHolder 2"/>
+          <p:cNvSpPr>
+            <a:spLocks noGrp="1"/>
+          </p:cNvSpPr>
+          <p:nvPr>
+            <p:ph type="body"/>
+          </p:nvPr>
+        </p:nvSpPr>
+        <p:spPr>
+          <a:xfrm>
+            <a:off x="504000" y="1768680"/>
+            <a:ext cx="9072000" cy="4384080"/>
+          </a:xfrm>
+          <a:prstGeom prst="rect">
+            <a:avLst/>
+          </a:prstGeom>
+          <a:noFill/>
+          <a:ln w="0">
+            <a:noFill/>
+          </a:ln>
+        </p:spPr>
+        <p:txBody>
+          <a:bodyPr lIns="0" rIns="0" tIns="0" bIns="0" anchor="t">
+            <a:normAutofit/>
+          </a:bodyPr>
+          <a:p>
+            <a:pPr marL="432000" indent="-324000">
+              <a:spcBef>
+                <a:spcPts val="1417"/>
+              </a:spcBef>
+              <a:buClr>
+                <a:srgbClr val="000000"/>
+              </a:buClr>
+              <a:buSzPct val="45000"/>
+              <a:buFont typeface="Wingdings" charset="2"/>
+              <a:buChar char=""/>
+            </a:pPr>
+            <a:r>
+              <a:rPr b="0" lang="bg-BG" sz="3200" spc="-1" strike="noStrike">
+                <a:solidFill>
+                  <a:srgbClr val="000000"/>
+                </a:solidFill>
+                <a:latin typeface="Arial"/>
+              </a:rPr>
+              <a:t>Щракнете, за да редактирате формата на плана</a:t>
+            </a:r>
+            <a:endParaRPr b="0" lang="bg-BG" sz="3200" spc="-1" strike="noStrike">
+              <a:solidFill>
+                <a:srgbClr val="000000"/>
+              </a:solidFill>
+              <a:latin typeface="Arial"/>
+            </a:endParaRPr>
+          </a:p>
+          <a:p>
+            <a:pPr lvl="1" marL="864000" indent="-324000">
+              <a:spcBef>
+                <a:spcPts val="1134"/>
+              </a:spcBef>
+              <a:buClr>
+                <a:srgbClr val="000000"/>
+              </a:buClr>
+              <a:buSzPct val="75000"/>
+              <a:buFont typeface="Symbol" charset="2"/>
+              <a:buChar char=""/>
+            </a:pPr>
+            <a:r>
+              <a:rPr b="0" lang="bg-BG" sz="2800" spc="-1" strike="noStrike">
+                <a:solidFill>
+                  <a:srgbClr val="000000"/>
+                </a:solidFill>
+                <a:latin typeface="Arial"/>
+              </a:rPr>
+              <a:t>Второ ниво на плана</a:t>
+            </a:r>
+            <a:endParaRPr b="0" lang="bg-BG" sz="2800" spc="-1" strike="noStrike">
+              <a:solidFill>
+                <a:srgbClr val="000000"/>
+              </a:solidFill>
+              <a:latin typeface="Arial"/>
+            </a:endParaRPr>
+          </a:p>
+          <a:p>
+            <a:pPr lvl="2" marL="1296000" indent="-288000">
+              <a:spcBef>
+                <a:spcPts val="850"/>
+              </a:spcBef>
+              <a:buClr>
+                <a:srgbClr val="000000"/>
+              </a:buClr>
+              <a:buSzPct val="45000"/>
+              <a:buFont typeface="Wingdings" charset="2"/>
+              <a:buChar char=""/>
+            </a:pPr>
+            <a:r>
+              <a:rPr b="0" lang="bg-BG" sz="2400" spc="-1" strike="noStrike">
+                <a:solidFill>
+                  <a:srgbClr val="000000"/>
+                </a:solidFill>
+                <a:latin typeface="Arial"/>
+              </a:rPr>
+              <a:t>Трето ниво на плана</a:t>
+            </a:r>
+            <a:endParaRPr b="0" lang="bg-BG" sz="2400" spc="-1" strike="noStrike">
+              <a:solidFill>
+                <a:srgbClr val="000000"/>
+              </a:solidFill>
+              <a:latin typeface="Arial"/>
+            </a:endParaRPr>
+          </a:p>
+          <a:p>
+            <a:pPr lvl="3" marL="1728000" indent="-216000">
+              <a:spcBef>
+                <a:spcPts val="567"/>
+              </a:spcBef>
+              <a:buClr>
+                <a:srgbClr val="000000"/>
+              </a:buClr>
+              <a:buSzPct val="75000"/>
+              <a:buFont typeface="Symbol" charset="2"/>
+              <a:buChar char=""/>
+            </a:pPr>
+            <a:r>
+              <a:rPr b="0" lang="bg-BG" sz="2000" spc="-1" strike="noStrike">
+                <a:solidFill>
+                  <a:srgbClr val="000000"/>
+                </a:solidFill>
+                <a:latin typeface="Arial"/>
+              </a:rPr>
+              <a:t>Четвърто ниво на плана</a:t>
+            </a:r>
+            <a:endParaRPr b="0" lang="bg-BG" sz="2000" spc="-1" strike="noStrike">
+              <a:solidFill>
+                <a:srgbClr val="000000"/>
+              </a:solidFill>
+              <a:latin typeface="Arial"/>
+            </a:endParaRPr>
+          </a:p>
+          <a:p>
+            <a:pPr lvl="4" marL="2160000" indent="-216000">
+              <a:spcBef>
+                <a:spcPts val="283"/>
+              </a:spcBef>
+              <a:buClr>
+                <a:srgbClr val="000000"/>
+              </a:buClr>
+              <a:buSzPct val="45000"/>
+              <a:buFont typeface="Wingdings" charset="2"/>
+              <a:buChar char=""/>
+            </a:pPr>
+            <a:r>
+              <a:rPr b="0" lang="bg-BG" sz="2000" spc="-1" strike="noStrike">
+                <a:solidFill>
+                  <a:srgbClr val="000000"/>
+                </a:solidFill>
+                <a:latin typeface="Arial"/>
+              </a:rPr>
+              <a:t>Пето ниво на плана</a:t>
+            </a:r>
+            <a:endParaRPr b="0" lang="bg-BG" sz="2000" spc="-1" strike="noStrike">
+              <a:solidFill>
+                <a:srgbClr val="000000"/>
+              </a:solidFill>
+              <a:latin typeface="Arial"/>
+            </a:endParaRPr>
+          </a:p>
+          <a:p>
+            <a:pPr lvl="5" marL="2592000" indent="-216000">
+              <a:spcBef>
+                <a:spcPts val="283"/>
+              </a:spcBef>
+              <a:buClr>
+                <a:srgbClr val="000000"/>
+              </a:buClr>
+              <a:buSzPct val="45000"/>
+              <a:buFont typeface="Wingdings" charset="2"/>
+              <a:buChar char=""/>
+            </a:pPr>
+            <a:r>
+              <a:rPr b="0" lang="bg-BG" sz="2000" spc="-1" strike="noStrike">
+                <a:solidFill>
+                  <a:srgbClr val="000000"/>
+                </a:solidFill>
+                <a:latin typeface="Arial"/>
+              </a:rPr>
+              <a:t>Шесто ниво на плана</a:t>
+            </a:r>
+            <a:endParaRPr b="0" lang="bg-BG" sz="2000" spc="-1" strike="noStrike">
+              <a:solidFill>
+                <a:srgbClr val="000000"/>
+              </a:solidFill>
+              <a:latin typeface="Arial"/>
+            </a:endParaRPr>
+          </a:p>
+          <a:p>
+            <a:pPr lvl="6" marL="3024000" indent="-216000">
+              <a:spcBef>
+                <a:spcPts val="283"/>
+              </a:spcBef>
+              <a:buClr>
+                <a:srgbClr val="000000"/>
+              </a:buClr>
+              <a:buSzPct val="45000"/>
+              <a:buFont typeface="Wingdings" charset="2"/>
+              <a:buChar char=""/>
+            </a:pPr>
+            <a:r>
+              <a:rPr b="0" lang="bg-BG" sz="2000" spc="-1" strike="noStrike">
+                <a:solidFill>
+                  <a:srgbClr val="000000"/>
+                </a:solidFill>
+                <a:latin typeface="Arial"/>
+              </a:rPr>
+              <a:t>Седмо ниво на плана</a:t>
+            </a:r>
+            <a:endParaRPr b="0" lang="bg-BG" sz="2000" spc="-1" strike="noStrike">
+              <a:solidFill>
+                <a:srgbClr val="000000"/>
+              </a:solidFill>
+              <a:latin typeface="Arial"/>
+            </a:endParaRPr>
+          </a:p>
+        </p:txBody>
+      </p:sp>
+    </p:spTree>
+  </p:cSld>
+  <p:clrMap bg1="lt1" bg2="lt2" tx1="dk1" tx2="dk2" accent1="accent1" accent2="accent2" accent3="accent3" accent4="accent4" accent5="accent5" accent6="accent6" hlink="hlink" folHlink="folHlink"/>
+  <p:sldLayoutIdLst>
+    <p:sldLayoutId id="2147483651" r:id="rId3"/>
+  </p:sldLayoutIdLst>
+</p:sldMaster>
+</file>
+
+<file path=ppt/slideMasters/slideMaster3.xml><?xml version="1.0" encoding="utf-8"?>
+<p:sldMaster xmlns:a="http://schemas.openxmlformats.org/drawingml/2006/main" xmlns:p="http://schemas.openxmlformats.org/presentationml/2006/main" xmlns:r="http://schemas.openxmlformats.org/officeDocument/2006/relationships" xmlns:p14="http://schemas.microsoft.com/office/powerpoint/2010/main" xmlns:p15="http://schemas.microsoft.com/office/powerpoint/2012/main" xmlns:mc="http://schemas.openxmlformats.org/markup-compatibility/2006">
+  <p:cSld>
     <p:bg>
       <p:bgPr>
-        <a:blipFill rotWithShape="0">
-          <a:blip r:embed="rId2"/>
-          <a:stretch/>
-        </a:blipFill>
+        <a:solidFill>
+          <a:srgbClr val="eeeeee"/>
+        </a:solidFill>
       </p:bgPr>
     </p:bg>
     <p:spTree>
@@ -1073,7 +1511,7 @@
       </p:grpSpPr>
       <p:sp>
         <p:nvSpPr>
-          <p:cNvPr id="10" name="PlaceHolder 1"/>
+          <p:cNvPr id="13" name="PlaceHolder 1"/>
           <p:cNvSpPr>
             <a:spLocks noGrp="1"/>
           </p:cNvSpPr>
@@ -1083,17 +1521,13 @@
         </p:nvSpPr>
         <p:spPr>
           <a:xfrm>
-            <a:off x="504000" y="301320"/>
-            <a:ext cx="9071640" cy="1262160"/>
+            <a:off x="504000" y="97920"/>
+            <a:ext cx="9072000" cy="1667520"/>
           </a:xfrm>
           <a:prstGeom prst="rect">
             <a:avLst/>
           </a:prstGeom>
-          <a:solidFill>
-            <a:srgbClr val="ffffff">
-              <a:alpha val="50000"/>
-            </a:srgbClr>
-          </a:solidFill>
+          <a:noFill/>
           <a:ln w="0">
             <a:noFill/>
           </a:ln>
@@ -1103,11 +1537,11 @@
             <a:noAutofit/>
           </a:bodyPr>
           <a:p>
-            <a:pPr indent="0" algn="ctr">
+            <a:pPr indent="0">
               <a:buNone/>
             </a:pPr>
             <a:r>
-              <a:rPr b="0" lang="bg-BG" sz="4400" spc="-1" strike="noStrike">
+              <a:rPr b="0" lang="bg-BG" sz="1800" spc="-1" strike="noStrike">
                 <a:solidFill>
                   <a:srgbClr val="000000"/>
                 </a:solidFill>
@@ -1115,7 +1549,7 @@
               </a:rPr>
               <a:t>Щракнете, за да редактирате формата на заглавието</a:t>
             </a:r>
-            <a:endParaRPr b="0" lang="bg-BG" sz="4400" spc="-1" strike="noStrike">
+            <a:endParaRPr b="0" lang="bg-BG" sz="1800" spc="-1" strike="noStrike">
               <a:solidFill>
                 <a:srgbClr val="000000"/>
               </a:solidFill>
@@ -1126,7 +1560,7 @@
       </p:sp>
       <p:sp>
         <p:nvSpPr>
-          <p:cNvPr id="11" name="PlaceHolder 2"/>
+          <p:cNvPr id="14" name="PlaceHolder 2"/>
           <p:cNvSpPr>
             <a:spLocks noGrp="1"/>
           </p:cNvSpPr>
@@ -1136,17 +1570,13 @@
         </p:nvSpPr>
         <p:spPr>
           <a:xfrm>
-            <a:off x="504000" y="1769040"/>
-            <a:ext cx="9071640" cy="4854960"/>
+            <a:off x="504000" y="1768680"/>
+            <a:ext cx="9072000" cy="4383720"/>
           </a:xfrm>
           <a:prstGeom prst="rect">
             <a:avLst/>
           </a:prstGeom>
-          <a:solidFill>
-            <a:srgbClr val="ffffff">
-              <a:alpha val="50000"/>
-            </a:srgbClr>
-          </a:solidFill>
+          <a:noFill/>
           <a:ln w="0">
             <a:noFill/>
           </a:ln>
@@ -1157,9 +1587,9 @@
           </a:bodyPr>
           <a:p>
             <a:pPr marL="432000" indent="-324000">
-              <a:spcAft>
+              <a:spcBef>
                 <a:spcPts val="1417"/>
-              </a:spcAft>
+              </a:spcBef>
               <a:buClr>
                 <a:srgbClr val="000000"/>
               </a:buClr>
@@ -1168,7 +1598,7 @@
               <a:buChar char=""/>
             </a:pPr>
             <a:r>
-              <a:rPr b="0" lang="bg-BG" sz="3200" spc="-1" strike="noStrike">
+              <a:rPr b="0" lang="bg-BG" sz="1800" spc="-1" strike="noStrike">
                 <a:solidFill>
                   <a:srgbClr val="000000"/>
                 </a:solidFill>
@@ -1176,7 +1606,7 @@
               </a:rPr>
               <a:t>Щракнете, за да редактирате формата на плана</a:t>
             </a:r>
-            <a:endParaRPr b="0" lang="bg-BG" sz="3200" spc="-1" strike="noStrike">
+            <a:endParaRPr b="0" lang="bg-BG" sz="1800" spc="-1" strike="noStrike">
               <a:solidFill>
                 <a:srgbClr val="000000"/>
               </a:solidFill>
@@ -1185,9 +1615,9 @@
           </a:p>
           <a:p>
             <a:pPr lvl="1" marL="864000" indent="-324000">
-              <a:spcAft>
+              <a:spcBef>
                 <a:spcPts val="1134"/>
-              </a:spcAft>
+              </a:spcBef>
               <a:buClr>
                 <a:srgbClr val="000000"/>
               </a:buClr>
@@ -1196,7 +1626,7 @@
               <a:buChar char=""/>
             </a:pPr>
             <a:r>
-              <a:rPr b="0" lang="bg-BG" sz="2800" spc="-1" strike="noStrike">
+              <a:rPr b="0" lang="bg-BG" sz="1800" spc="-1" strike="noStrike">
                 <a:solidFill>
                   <a:srgbClr val="000000"/>
                 </a:solidFill>
@@ -1204,7 +1634,7 @@
               </a:rPr>
               <a:t>Второ ниво на плана</a:t>
             </a:r>
-            <a:endParaRPr b="0" lang="bg-BG" sz="2800" spc="-1" strike="noStrike">
+            <a:endParaRPr b="0" lang="bg-BG" sz="1800" spc="-1" strike="noStrike">
               <a:solidFill>
                 <a:srgbClr val="000000"/>
               </a:solidFill>
@@ -1213,9 +1643,9 @@
           </a:p>
           <a:p>
             <a:pPr lvl="2" marL="1296000" indent="-288000">
-              <a:spcAft>
+              <a:spcBef>
                 <a:spcPts val="850"/>
-              </a:spcAft>
+              </a:spcBef>
               <a:buClr>
                 <a:srgbClr val="000000"/>
               </a:buClr>
@@ -1224,7 +1654,7 @@
               <a:buChar char=""/>
             </a:pPr>
             <a:r>
-              <a:rPr b="0" lang="bg-BG" sz="2400" spc="-1" strike="noStrike">
+              <a:rPr b="0" lang="bg-BG" sz="1800" spc="-1" strike="noStrike">
                 <a:solidFill>
                   <a:srgbClr val="000000"/>
                 </a:solidFill>
@@ -1232,7 +1662,7 @@
               </a:rPr>
               <a:t>Трето ниво на плана</a:t>
             </a:r>
-            <a:endParaRPr b="0" lang="bg-BG" sz="2400" spc="-1" strike="noStrike">
+            <a:endParaRPr b="0" lang="bg-BG" sz="1800" spc="-1" strike="noStrike">
               <a:solidFill>
                 <a:srgbClr val="000000"/>
               </a:solidFill>
@@ -1241,9 +1671,9 @@
           </a:p>
           <a:p>
             <a:pPr lvl="3" marL="1728000" indent="-216000">
-              <a:spcAft>
+              <a:spcBef>
                 <a:spcPts val="567"/>
-              </a:spcAft>
+              </a:spcBef>
               <a:buClr>
                 <a:srgbClr val="000000"/>
               </a:buClr>
@@ -1252,7 +1682,7 @@
               <a:buChar char=""/>
             </a:pPr>
             <a:r>
-              <a:rPr b="0" lang="bg-BG" sz="2000" spc="-1" strike="noStrike">
+              <a:rPr b="0" lang="bg-BG" sz="1800" spc="-1" strike="noStrike">
                 <a:solidFill>
                   <a:srgbClr val="000000"/>
                 </a:solidFill>
@@ -1260,7 +1690,7 @@
               </a:rPr>
               <a:t>Четвърто ниво на плана</a:t>
             </a:r>
-            <a:endParaRPr b="0" lang="bg-BG" sz="2000" spc="-1" strike="noStrike">
+            <a:endParaRPr b="0" lang="bg-BG" sz="1800" spc="-1" strike="noStrike">
               <a:solidFill>
                 <a:srgbClr val="000000"/>
               </a:solidFill>
@@ -1269,9 +1699,9 @@
           </a:p>
           <a:p>
             <a:pPr lvl="4" marL="2160000" indent="-216000">
-              <a:spcAft>
+              <a:spcBef>
                 <a:spcPts val="283"/>
-              </a:spcAft>
+              </a:spcBef>
               <a:buClr>
                 <a:srgbClr val="000000"/>
               </a:buClr>
@@ -1280,7 +1710,7 @@
               <a:buChar char=""/>
             </a:pPr>
             <a:r>
-              <a:rPr b="0" lang="bg-BG" sz="2000" spc="-1" strike="noStrike">
+              <a:rPr b="0" lang="bg-BG" sz="1800" spc="-1" strike="noStrike">
                 <a:solidFill>
                   <a:srgbClr val="000000"/>
                 </a:solidFill>
@@ -1288,7 +1718,7 @@
               </a:rPr>
               <a:t>Пето ниво на плана</a:t>
             </a:r>
-            <a:endParaRPr b="0" lang="bg-BG" sz="2000" spc="-1" strike="noStrike">
+            <a:endParaRPr b="0" lang="bg-BG" sz="1800" spc="-1" strike="noStrike">
               <a:solidFill>
                 <a:srgbClr val="000000"/>
               </a:solidFill>
@@ -1297,9 +1727,9 @@
           </a:p>
           <a:p>
             <a:pPr lvl="5" marL="2592000" indent="-216000">
-              <a:spcAft>
+              <a:spcBef>
                 <a:spcPts val="283"/>
-              </a:spcAft>
+              </a:spcBef>
               <a:buClr>
                 <a:srgbClr val="000000"/>
               </a:buClr>
@@ -1308,7 +1738,7 @@
               <a:buChar char=""/>
             </a:pPr>
             <a:r>
-              <a:rPr b="0" lang="bg-BG" sz="2000" spc="-1" strike="noStrike">
+              <a:rPr b="0" lang="bg-BG" sz="1800" spc="-1" strike="noStrike">
                 <a:solidFill>
                   <a:srgbClr val="000000"/>
                 </a:solidFill>
@@ -1316,7 +1746,7 @@
               </a:rPr>
               <a:t>Шесто ниво на плана</a:t>
             </a:r>
-            <a:endParaRPr b="0" lang="bg-BG" sz="2000" spc="-1" strike="noStrike">
+            <a:endParaRPr b="0" lang="bg-BG" sz="1800" spc="-1" strike="noStrike">
               <a:solidFill>
                 <a:srgbClr val="000000"/>
               </a:solidFill>
@@ -1325,9 +1755,9 @@
           </a:p>
           <a:p>
             <a:pPr lvl="6" marL="3024000" indent="-216000">
-              <a:spcAft>
+              <a:spcBef>
                 <a:spcPts val="283"/>
-              </a:spcAft>
+              </a:spcBef>
               <a:buClr>
                 <a:srgbClr val="000000"/>
               </a:buClr>
@@ -1336,7 +1766,7 @@
               <a:buChar char=""/>
             </a:pPr>
             <a:r>
-              <a:rPr b="0" lang="bg-BG" sz="2000" spc="-1" strike="noStrike">
+              <a:rPr b="0" lang="bg-BG" sz="1800" spc="-1" strike="noStrike">
                 <a:solidFill>
                   <a:srgbClr val="000000"/>
                 </a:solidFill>
@@ -1344,7 +1774,7 @@
               </a:rPr>
               <a:t>Седмо ниво на плана</a:t>
             </a:r>
-            <a:endParaRPr b="0" lang="bg-BG" sz="2000" spc="-1" strike="noStrike">
+            <a:endParaRPr b="0" lang="bg-BG" sz="1800" spc="-1" strike="noStrike">
               <a:solidFill>
                 <a:srgbClr val="000000"/>
               </a:solidFill>
@@ -1355,18 +1785,162 @@
       </p:sp>
       <p:sp>
         <p:nvSpPr>
-          <p:cNvPr id="12" name="PlaceHolder 3"/>
+          <p:cNvPr id="15" name="PlaceHolder 3"/>
           <p:cNvSpPr>
             <a:spLocks noGrp="1"/>
           </p:cNvSpPr>
           <p:nvPr>
-            <p:ph type="dt" idx="4"/>
+            <p:ph type="ftr" idx="4"/>
           </p:nvPr>
         </p:nvSpPr>
         <p:spPr>
           <a:xfrm>
-            <a:off x="27720" y="7272000"/>
-            <a:ext cx="2348280" cy="521280"/>
+            <a:off x="3447360" y="6886440"/>
+            <a:ext cx="3195000" cy="520560"/>
+          </a:xfrm>
+          <a:prstGeom prst="rect">
+            <a:avLst/>
+          </a:prstGeom>
+          <a:noFill/>
+          <a:ln w="0">
+            <a:noFill/>
+          </a:ln>
+        </p:spPr>
+        <p:txBody>
+          <a:bodyPr lIns="0" rIns="0" tIns="0" bIns="0" anchor="t">
+            <a:noAutofit/>
+          </a:bodyPr>
+          <a:lstStyle>
+            <a:lvl1pPr indent="0" algn="ctr">
+              <a:lnSpc>
+                <a:spcPct val="100000"/>
+              </a:lnSpc>
+              <a:buNone/>
+              <a:tabLst>
+                <a:tab algn="l" pos="0"/>
+              </a:tabLst>
+              <a:defRPr b="0" lang="bg-BG" sz="1400" spc="-1" strike="noStrike">
+                <a:solidFill>
+                  <a:srgbClr val="000000"/>
+                </a:solidFill>
+                <a:latin typeface="Times New Roman"/>
+              </a:defRPr>
+            </a:lvl1pPr>
+          </a:lstStyle>
+          <a:p>
+            <a:pPr indent="0" algn="ctr">
+              <a:lnSpc>
+                <a:spcPct val="100000"/>
+              </a:lnSpc>
+              <a:buNone/>
+              <a:tabLst>
+                <a:tab algn="l" pos="0"/>
+              </a:tabLst>
+            </a:pPr>
+            <a:r>
+              <a:rPr b="0" lang="bg-BG" sz="1400" spc="-1" strike="noStrike">
+                <a:solidFill>
+                  <a:srgbClr val="000000"/>
+                </a:solidFill>
+                <a:latin typeface="Times New Roman"/>
+              </a:rPr>
+              <a:t>&lt;долен колонтитул&gt;</a:t>
+            </a:r>
+            <a:endParaRPr b="0" lang="bg-BG" sz="1400" spc="-1" strike="noStrike">
+              <a:solidFill>
+                <a:srgbClr val="000000"/>
+              </a:solidFill>
+              <a:latin typeface="Times New Roman"/>
+            </a:endParaRPr>
+          </a:p>
+        </p:txBody>
+      </p:sp>
+      <p:sp>
+        <p:nvSpPr>
+          <p:cNvPr id="16" name="PlaceHolder 4"/>
+          <p:cNvSpPr>
+            <a:spLocks noGrp="1"/>
+          </p:cNvSpPr>
+          <p:nvPr>
+            <p:ph type="sldNum" idx="5"/>
+          </p:nvPr>
+        </p:nvSpPr>
+        <p:spPr>
+          <a:xfrm>
+            <a:off x="7227720" y="6886440"/>
+            <a:ext cx="2347920" cy="520560"/>
+          </a:xfrm>
+          <a:prstGeom prst="rect">
+            <a:avLst/>
+          </a:prstGeom>
+          <a:noFill/>
+          <a:ln w="0">
+            <a:noFill/>
+          </a:ln>
+        </p:spPr>
+        <p:txBody>
+          <a:bodyPr lIns="0" rIns="0" tIns="0" bIns="0" anchor="t">
+            <a:noAutofit/>
+          </a:bodyPr>
+          <a:lstStyle>
+            <a:lvl1pPr indent="0" algn="r">
+              <a:lnSpc>
+                <a:spcPct val="100000"/>
+              </a:lnSpc>
+              <a:buNone/>
+              <a:tabLst>
+                <a:tab algn="l" pos="0"/>
+              </a:tabLst>
+              <a:defRPr b="0" lang="bg-BG" sz="1400" spc="-1" strike="noStrike">
+                <a:solidFill>
+                  <a:srgbClr val="000000"/>
+                </a:solidFill>
+                <a:latin typeface="Times New Roman"/>
+              </a:defRPr>
+            </a:lvl1pPr>
+          </a:lstStyle>
+          <a:p>
+            <a:pPr indent="0" algn="r">
+              <a:lnSpc>
+                <a:spcPct val="100000"/>
+              </a:lnSpc>
+              <a:buNone/>
+              <a:tabLst>
+                <a:tab algn="l" pos="0"/>
+              </a:tabLst>
+            </a:pPr>
+            <a:fld id="{6F0DF5A4-74EB-4FB5-AA8B-D701DE70E683}" type="slidenum">
+              <a:rPr b="0" lang="bg-BG" sz="1400" spc="-1" strike="noStrike">
+                <a:solidFill>
+                  <a:srgbClr val="000000"/>
+                </a:solidFill>
+                <a:latin typeface="Times New Roman"/>
+              </a:rPr>
+              <a:t>&lt;число&gt;</a:t>
+            </a:fld>
+            <a:endParaRPr b="0" lang="bg-BG" sz="1400" spc="-1" strike="noStrike">
+              <a:solidFill>
+                <a:srgbClr val="000000"/>
+              </a:solidFill>
+              <a:latin typeface="Times New Roman"/>
+            </a:endParaRPr>
+          </a:p>
+        </p:txBody>
+      </p:sp>
+      <p:sp>
+        <p:nvSpPr>
+          <p:cNvPr id="17" name="PlaceHolder 5"/>
+          <p:cNvSpPr>
+            <a:spLocks noGrp="1"/>
+          </p:cNvSpPr>
+          <p:nvPr>
+            <p:ph type="dt" idx="6"/>
+          </p:nvPr>
+        </p:nvSpPr>
+        <p:spPr>
+          <a:xfrm>
+            <a:off x="504000" y="6886440"/>
+            <a:ext cx="2347920" cy="520560"/>
           </a:xfrm>
           <a:prstGeom prst="rect">
             <a:avLst/>
@@ -1387,7 +1961,7 @@
                 <a:solidFill>
                   <a:srgbClr val="000000"/>
                 </a:solidFill>
-                <a:latin typeface="Arial"/>
+                <a:latin typeface="Times New Roman"/>
               </a:defRPr>
             </a:lvl1pPr>
           </a:lstStyle>
@@ -1400,7 +1974,7 @@
                 <a:solidFill>
                   <a:srgbClr val="000000"/>
                 </a:solidFill>
-                <a:latin typeface="Arial"/>
+                <a:latin typeface="Times New Roman"/>
               </a:rPr>
               <a:t>&lt;дата/час&gt;</a:t>
             </a:r>
@@ -1408,127 +1982,7 @@
               <a:solidFill>
                 <a:srgbClr val="000000"/>
               </a:solidFill>
-              <a:latin typeface="Arial"/>
-            </a:endParaRPr>
-          </a:p>
-        </p:txBody>
-      </p:sp>
-      <p:sp>
-        <p:nvSpPr>
-          <p:cNvPr id="13" name="PlaceHolder 4"/>
-          <p:cNvSpPr>
-            <a:spLocks noGrp="1"/>
-          </p:cNvSpPr>
-          <p:nvPr>
-            <p:ph type="ftr" idx="5"/>
-          </p:nvPr>
-        </p:nvSpPr>
-        <p:spPr>
-          <a:xfrm>
-            <a:off x="3447360" y="7272000"/>
-            <a:ext cx="3195000" cy="521280"/>
-          </a:xfrm>
-          <a:prstGeom prst="rect">
-            <a:avLst/>
-          </a:prstGeom>
-          <a:noFill/>
-          <a:ln w="0">
-            <a:noFill/>
-          </a:ln>
-        </p:spPr>
-        <p:txBody>
-          <a:bodyPr lIns="0" rIns="0" tIns="0" bIns="0" anchor="t">
-            <a:noAutofit/>
-          </a:bodyPr>
-          <a:lstStyle>
-            <a:lvl1pPr indent="0" algn="ctr">
-              <a:buNone/>
-              <a:defRPr b="0" lang="bg-BG" sz="1400" spc="-1" strike="noStrike">
-                <a:solidFill>
-                  <a:srgbClr val="000000"/>
-                </a:solidFill>
-                <a:latin typeface="Arial"/>
-              </a:defRPr>
-            </a:lvl1pPr>
-          </a:lstStyle>
-          <a:p>
-            <a:pPr indent="0" algn="ctr">
-              <a:buNone/>
-            </a:pPr>
-            <a:r>
-              <a:rPr b="0" lang="bg-BG" sz="1400" spc="-1" strike="noStrike">
-                <a:solidFill>
-                  <a:srgbClr val="000000"/>
-                </a:solidFill>
-                <a:latin typeface="Arial"/>
-              </a:rPr>
-              <a:t>&lt;долен колонтитул&gt;</a:t>
-            </a:r>
-            <a:endParaRPr b="0" lang="bg-BG" sz="1400" spc="-1" strike="noStrike">
-              <a:solidFill>
-                <a:srgbClr val="000000"/>
-              </a:solidFill>
-              <a:latin typeface="Arial"/>
-            </a:endParaRPr>
-          </a:p>
-        </p:txBody>
-      </p:sp>
-      <p:sp>
-        <p:nvSpPr>
-          <p:cNvPr id="14" name="PlaceHolder 5"/>
-          <p:cNvSpPr>
-            <a:spLocks noGrp="1"/>
-          </p:cNvSpPr>
-          <p:nvPr>
-            <p:ph type="sldNum" idx="6"/>
-          </p:nvPr>
-        </p:nvSpPr>
-        <p:spPr>
-          <a:xfrm>
-            <a:off x="7587720" y="7254720"/>
-            <a:ext cx="2348280" cy="521280"/>
-          </a:xfrm>
-          <a:prstGeom prst="rect">
-            <a:avLst/>
-          </a:prstGeom>
-          <a:noFill/>
-          <a:ln w="0">
-            <a:noFill/>
-          </a:ln>
-        </p:spPr>
-        <p:txBody>
-          <a:bodyPr lIns="0" rIns="0" tIns="0" bIns="0" anchor="t">
-            <a:noAutofit/>
-          </a:bodyPr>
-          <a:lstStyle>
-            <a:lvl1pPr indent="0" algn="r">
-              <a:buNone/>
-              <a:defRPr b="0" lang="bg-BG" sz="1400" spc="-1" strike="noStrike">
-                <a:solidFill>
-                  <a:srgbClr val="000000"/>
-                </a:solidFill>
-                <a:latin typeface="Arial"/>
-              </a:defRPr>
-            </a:lvl1pPr>
-          </a:lstStyle>
-          <a:p>
-            <a:pPr indent="0" algn="r">
-              <a:buNone/>
-            </a:pPr>
-            <a:fld id="{EDC923E4-EA0F-4CD6-BC00-6CC796CF9605}" type="slidenum">
-              <a:rPr b="0" lang="bg-BG" sz="1400" spc="-1" strike="noStrike">
-                <a:solidFill>
-                  <a:srgbClr val="000000"/>
-                </a:solidFill>
-                <a:latin typeface="Arial"/>
-              </a:rPr>
-              <a:t>&lt;число&gt;</a:t>
-            </a:fld>
-            <a:endParaRPr b="0" lang="bg-BG" sz="1400" spc="-1" strike="noStrike">
-              <a:solidFill>
-                <a:srgbClr val="000000"/>
-              </a:solidFill>
-              <a:latin typeface="Arial"/>
+              <a:latin typeface="Times New Roman"/>
             </a:endParaRPr>
           </a:p>
         </p:txBody>
@@ -1537,7 +1991,8 @@
   </p:cSld>
   <p:clrMap bg1="lt1" bg2="lt2" tx1="dk1" tx2="dk2" accent1="accent1" accent2="accent2" accent3="accent3" accent4="accent4" accent5="accent5" accent6="accent6" hlink="hlink" folHlink="folHlink"/>
   <p:sldLayoutIdLst>
-    <p:sldLayoutId id="2147483652" r:id="rId3"/>
+    <p:sldLayoutId id="2147483653" r:id="rId2"/>
+    <p:sldLayoutId id="2147483654" r:id="rId3"/>
   </p:sldLayoutIdLst>
 </p:sldMaster>
 </file>
@@ -1561,7 +2016,7 @@
       </p:grpSpPr>
       <p:sp>
         <p:nvSpPr>
-          <p:cNvPr id="17" name="PlaceHolder 1"/>
+          <p:cNvPr id="22" name="PlaceHolder 1"/>
           <p:cNvSpPr>
             <a:spLocks noGrp="1"/>
           </p:cNvSpPr>
@@ -1572,7 +2027,7 @@
         <p:spPr>
           <a:xfrm>
             <a:off x="288000" y="1728000"/>
-            <a:ext cx="8927640" cy="1786680"/>
+            <a:ext cx="8926920" cy="1785960"/>
           </a:xfrm>
           <a:prstGeom prst="rect">
             <a:avLst/>
@@ -1588,6 +2043,9 @@
           </a:bodyPr>
           <a:p>
             <a:pPr indent="0">
+              <a:lnSpc>
+                <a:spcPct val="100000"/>
+              </a:lnSpc>
               <a:spcBef>
                 <a:spcPts val="1191"/>
               </a:spcBef>
@@ -1595,6 +2053,9 @@
                 <a:spcPts val="992"/>
               </a:spcAft>
               <a:buNone/>
+              <a:tabLst>
+                <a:tab algn="l" pos="0"/>
+              </a:tabLst>
             </a:pPr>
             <a:r>
               <a:rPr b="0" lang="bg-BG" sz="3000" spc="-1" strike="noStrike">
@@ -1614,55 +2075,29 @@
           </a:p>
         </p:txBody>
       </p:sp>
-      <p:sp>
-        <p:nvSpPr>
-          <p:cNvPr id="18" name="PlaceHolder 2"/>
-          <p:cNvSpPr>
-            <a:spLocks noGrp="1"/>
-          </p:cNvSpPr>
-          <p:nvPr>
-            <p:ph type="subTitle"/>
-          </p:nvPr>
-        </p:nvSpPr>
+      <p:pic>
+        <p:nvPicPr>
+          <p:cNvPr id="23" name="" descr=""/>
+          <p:cNvPicPr/>
+          <p:nvPr/>
+        </p:nvPicPr>
+        <p:blipFill>
+          <a:blip r:embed="rId1"/>
+          <a:stretch/>
+        </p:blipFill>
         <p:spPr>
           <a:xfrm>
-            <a:off x="4032360" y="3854520"/>
-            <a:ext cx="5183640" cy="969480"/>
+            <a:off x="4888080" y="2993400"/>
+            <a:ext cx="2875680" cy="3271320"/>
           </a:xfrm>
           <a:prstGeom prst="rect">
             <a:avLst/>
           </a:prstGeom>
-          <a:noFill/>
           <a:ln w="0">
             <a:noFill/>
           </a:ln>
         </p:spPr>
-        <p:txBody>
-          <a:bodyPr lIns="0" rIns="0" tIns="0" bIns="0" anchor="ctr">
-            <a:noAutofit/>
-          </a:bodyPr>
-          <a:p>
-            <a:pPr indent="0" algn="ctr">
-              <a:buNone/>
-            </a:pPr>
-            <a:r>
-              <a:rPr b="0" lang="bg-BG" sz="3200" spc="-1" strike="noStrike">
-                <a:solidFill>
-                  <a:srgbClr val="000000"/>
-                </a:solidFill>
-                <a:latin typeface="Arial"/>
-              </a:rPr>
-              <a:t>Изготвил: Галя Додова</a:t>
-            </a:r>
-            <a:endParaRPr b="0" lang="bg-BG" sz="3200" spc="-1" strike="noStrike">
-              <a:solidFill>
-                <a:srgbClr val="000000"/>
-              </a:solidFill>
-              <a:latin typeface="Arial"/>
-            </a:endParaRPr>
-          </a:p>
-        </p:txBody>
-      </p:sp>
+      </p:pic>
     </p:spTree>
   </p:cSld>
   <mc:AlternateContent>
@@ -1679,6 +2114,13 @@
 <file path=ppt/slides/slide2.xml><?xml version="1.0" encoding="utf-8"?>
 <p:sld xmlns:a="http://schemas.openxmlformats.org/drawingml/2006/main" xmlns:p="http://schemas.openxmlformats.org/presentationml/2006/main" xmlns:r="http://schemas.openxmlformats.org/officeDocument/2006/relationships" xmlns:p14="http://schemas.microsoft.com/office/powerpoint/2010/main" xmlns:p15="http://schemas.microsoft.com/office/powerpoint/2012/main" xmlns:mc="http://schemas.openxmlformats.org/markup-compatibility/2006">
   <p:cSld>
+    <p:bg>
+      <p:bgPr>
+        <a:solidFill>
+          <a:srgbClr val="eeeeee"/>
+        </a:solidFill>
+      </p:bgPr>
+    </p:bg>
     <p:spTree>
       <p:nvGrpSpPr>
         <p:cNvPr id="1" name=""/>
@@ -1695,7 +2137,7 @@
       </p:grpSpPr>
       <p:sp>
         <p:nvSpPr>
-          <p:cNvPr id="19" name="PlaceHolder 1"/>
+          <p:cNvPr id="24" name="PlaceHolder 1"/>
           <p:cNvSpPr>
             <a:spLocks noGrp="1"/>
           </p:cNvSpPr>
@@ -1706,7 +2148,7 @@
         <p:spPr>
           <a:xfrm>
             <a:off x="504000" y="301320"/>
-            <a:ext cx="9071640" cy="1262160"/>
+            <a:ext cx="9070920" cy="1261440"/>
           </a:xfrm>
           <a:prstGeom prst="rect">
             <a:avLst/>
@@ -1726,7 +2168,13 @@
           </a:bodyPr>
           <a:p>
             <a:pPr indent="0" algn="ctr">
+              <a:lnSpc>
+                <a:spcPct val="100000"/>
+              </a:lnSpc>
               <a:buNone/>
+              <a:tabLst>
+                <a:tab algn="l" pos="0"/>
+              </a:tabLst>
             </a:pPr>
             <a:r>
               <a:rPr b="0" lang="bg-BG" sz="4400" spc="-1" strike="noStrike">
@@ -1748,7 +2196,7 @@
       </p:sp>
       <p:sp>
         <p:nvSpPr>
-          <p:cNvPr id="20" name="PlaceHolder 2"/>
+          <p:cNvPr id="25" name="PlaceHolder 2"/>
           <p:cNvSpPr>
             <a:spLocks noGrp="1"/>
           </p:cNvSpPr>
@@ -1759,7 +2207,7 @@
         <p:spPr>
           <a:xfrm>
             <a:off x="504000" y="1769040"/>
-            <a:ext cx="9071640" cy="4854960"/>
+            <a:ext cx="9070920" cy="4854240"/>
           </a:xfrm>
           <a:prstGeom prst="rect">
             <a:avLst/>
@@ -1779,6 +2227,9 @@
           </a:bodyPr>
           <a:p>
             <a:pPr marL="432000" indent="-324000">
+              <a:lnSpc>
+                <a:spcPct val="100000"/>
+              </a:lnSpc>
               <a:spcBef>
                 <a:spcPts val="1191"/>
               </a:spcBef>
@@ -1810,6 +2261,29 @@
           </a:p>
         </p:txBody>
       </p:sp>
+      <p:pic>
+        <p:nvPicPr>
+          <p:cNvPr id="26" name="" descr=""/>
+          <p:cNvPicPr/>
+          <p:nvPr/>
+        </p:nvPicPr>
+        <p:blipFill>
+          <a:blip r:embed="rId1"/>
+          <a:stretch/>
+        </p:blipFill>
+        <p:spPr>
+          <a:xfrm>
+            <a:off x="4023360" y="4214520"/>
+            <a:ext cx="5006880" cy="2803320"/>
+          </a:xfrm>
+          <a:prstGeom prst="rect">
+            <a:avLst/>
+          </a:prstGeom>
+          <a:ln w="0">
+            <a:noFill/>
+          </a:ln>
+        </p:spPr>
+      </p:pic>
       <p:sp>
         <p:nvSpPr>
           <p:cNvPr id="4" name="PlaceHolder 3"/>
@@ -1817,14 +2291,14 @@
             <a:spLocks noGrp="1"/>
           </p:cNvSpPr>
           <p:nvPr>
-            <p:ph type="sldNum" idx="6"/>
+            <p:ph type="sldNum" idx="5"/>
           </p:nvPr>
         </p:nvSpPr>
         <p:spPr/>
         <p:txBody>
           <a:bodyPr/>
           <a:p>
-            <a:fld id="{944FE383-9E92-4C57-A360-F406FF7E409A}" type="slidenum">
+            <a:fld id="{2C990C9D-CF7C-4527-8A09-519F5743B75E}" type="slidenum">
               <a:t>2</a:t>
             </a:fld>
           </a:p>
@@ -1862,7 +2336,7 @@
       </p:grpSpPr>
       <p:sp>
         <p:nvSpPr>
-          <p:cNvPr id="21" name="PlaceHolder 1"/>
+          <p:cNvPr id="27" name="PlaceHolder 1"/>
           <p:cNvSpPr>
             <a:spLocks noGrp="1"/>
           </p:cNvSpPr>
@@ -1873,7 +2347,7 @@
         <p:spPr>
           <a:xfrm>
             <a:off x="504000" y="301320"/>
-            <a:ext cx="9071640" cy="1262160"/>
+            <a:ext cx="9070920" cy="1261440"/>
           </a:xfrm>
           <a:prstGeom prst="rect">
             <a:avLst/>
@@ -1893,6 +2367,9 @@
           </a:bodyPr>
           <a:p>
             <a:pPr indent="0" algn="ctr">
+              <a:lnSpc>
+                <a:spcPct val="100000"/>
+              </a:lnSpc>
               <a:spcBef>
                 <a:spcPts val="1191"/>
               </a:spcBef>
@@ -1900,6 +2377,9 @@
                 <a:spcPts val="992"/>
               </a:spcAft>
               <a:buNone/>
+              <a:tabLst>
+                <a:tab algn="l" pos="0"/>
+              </a:tabLst>
             </a:pPr>
             <a:r>
               <a:rPr b="0" lang="bg-BG" sz="3000" spc="-1" strike="noStrike">
@@ -1921,7 +2401,7 @@
       </p:sp>
       <p:sp>
         <p:nvSpPr>
-          <p:cNvPr id="22" name="PlaceHolder 2"/>
+          <p:cNvPr id="28" name="PlaceHolder 2"/>
           <p:cNvSpPr>
             <a:spLocks noGrp="1"/>
           </p:cNvSpPr>
@@ -1932,7 +2412,7 @@
         <p:spPr>
           <a:xfrm>
             <a:off x="504000" y="1769040"/>
-            <a:ext cx="9071640" cy="4854960"/>
+            <a:ext cx="9070920" cy="4854240"/>
           </a:xfrm>
           <a:prstGeom prst="rect">
             <a:avLst/>
@@ -1948,10 +2428,13 @@
         </p:spPr>
         <p:txBody>
           <a:bodyPr lIns="0" rIns="0" tIns="0" bIns="0" anchor="t">
-            <a:normAutofit fontScale="93441"/>
+            <a:normAutofit/>
           </a:bodyPr>
           <a:p>
             <a:pPr marL="432000" indent="-324000">
+              <a:lnSpc>
+                <a:spcPct val="100000"/>
+              </a:lnSpc>
               <a:spcBef>
                 <a:spcPts val="1191"/>
               </a:spcBef>
@@ -1972,16 +2455,7 @@
                 </a:solidFill>
                 <a:latin typeface="Arial"/>
               </a:rPr>
-              <a:t>DOM (Document Object Model) представлява дървовидна структура от </a:t>
-            </a:r>
-            <a:r>
-              <a:rPr b="0" lang="bg-BG" sz="2000" spc="-1" strike="noStrike">
-                <a:solidFill>
-                  <a:srgbClr val="000000"/>
-                </a:solidFill>
-                <a:latin typeface="Arial"/>
-              </a:rPr>
-              <a:t>HTML елементи</a:t>
+              <a:t>DOM (Document Object Model) представлява дървовидна структура от HTML елементи</a:t>
             </a:r>
             <a:endParaRPr b="0" lang="bg-BG" sz="2000" spc="-1" strike="noStrike">
               <a:solidFill>
@@ -1992,6 +2466,9 @@
           </a:p>
           <a:p>
             <a:pPr marL="432000" indent="-324000">
+              <a:lnSpc>
+                <a:spcPct val="100000"/>
+              </a:lnSpc>
               <a:spcBef>
                 <a:spcPts val="1191"/>
               </a:spcBef>
@@ -2023,6 +2500,9 @@
           </a:p>
           <a:p>
             <a:pPr marL="432000" indent="-324000">
+              <a:lnSpc>
+                <a:spcPct val="100000"/>
+              </a:lnSpc>
               <a:spcBef>
                 <a:spcPts val="1191"/>
               </a:spcBef>
@@ -2054,6 +2534,9 @@
           </a:p>
           <a:p>
             <a:pPr marL="432000" indent="-324000">
+              <a:lnSpc>
+                <a:spcPct val="100000"/>
+              </a:lnSpc>
               <a:spcBef>
                 <a:spcPts val="1191"/>
               </a:spcBef>
@@ -2085,6 +2568,9 @@
           </a:p>
           <a:p>
             <a:pPr marL="432000" indent="-324000">
+              <a:lnSpc>
+                <a:spcPct val="100000"/>
+              </a:lnSpc>
               <a:spcBef>
                 <a:spcPts val="1191"/>
               </a:spcBef>
@@ -2116,6 +2602,9 @@
           </a:p>
           <a:p>
             <a:pPr marL="432000" indent="-324000">
+              <a:lnSpc>
+                <a:spcPct val="100000"/>
+              </a:lnSpc>
               <a:spcBef>
                 <a:spcPts val="1191"/>
               </a:spcBef>
@@ -2147,6 +2636,9 @@
           </a:p>
           <a:p>
             <a:pPr marL="432000" indent="-324000">
+              <a:lnSpc>
+                <a:spcPct val="100000"/>
+              </a:lnSpc>
               <a:spcBef>
                 <a:spcPts val="1191"/>
               </a:spcBef>
@@ -2176,127 +2668,31 @@
               <a:latin typeface="Arial"/>
             </a:endParaRPr>
           </a:p>
-          <a:p>
-            <a:pPr marL="432000" indent="0">
-              <a:spcBef>
-                <a:spcPts val="1191"/>
-              </a:spcBef>
-              <a:spcAft>
-                <a:spcPts val="992"/>
-              </a:spcAft>
-              <a:buNone/>
-            </a:pPr>
-            <a:r>
-              <a:rPr b="1" lang="bg-BG" sz="2000" spc="-1" strike="noStrike">
-                <a:solidFill>
-                  <a:srgbClr val="000000"/>
-                </a:solidFill>
-                <a:latin typeface="Arial"/>
-              </a:rPr>
-              <a:t>Ограничения:</a:t>
-            </a:r>
-            <a:endParaRPr b="0" lang="bg-BG" sz="2000" spc="-1" strike="noStrike">
-              <a:solidFill>
-                <a:srgbClr val="000000"/>
-              </a:solidFill>
-              <a:latin typeface="Arial"/>
-            </a:endParaRPr>
-          </a:p>
-          <a:p>
-            <a:pPr marL="432000" indent="-324000">
-              <a:spcBef>
-                <a:spcPts val="1191"/>
-              </a:spcBef>
-              <a:spcAft>
-                <a:spcPts val="992"/>
-              </a:spcAft>
-              <a:buClr>
-                <a:srgbClr val="000000"/>
-              </a:buClr>
-              <a:buSzPct val="45000"/>
-              <a:buFont typeface="Wingdings" charset="2"/>
-              <a:buChar char=""/>
-            </a:pPr>
-            <a:r>
-              <a:rPr b="0" lang="bg-BG" sz="2000" spc="-1" strike="noStrike">
-                <a:solidFill>
-                  <a:srgbClr val="000000"/>
-                </a:solidFill>
-                <a:latin typeface="Arial"/>
-              </a:rPr>
-              <a:t>Лоша производителност при сложни анимации</a:t>
-            </a:r>
-            <a:endParaRPr b="0" lang="bg-BG" sz="2000" spc="-1" strike="noStrike">
-              <a:solidFill>
-                <a:srgbClr val="000000"/>
-              </a:solidFill>
-              <a:latin typeface="Arial"/>
-            </a:endParaRPr>
-          </a:p>
-          <a:p>
-            <a:pPr marL="432000" indent="-324000">
-              <a:spcBef>
-                <a:spcPts val="1191"/>
-              </a:spcBef>
-              <a:spcAft>
-                <a:spcPts val="992"/>
-              </a:spcAft>
-              <a:buClr>
-                <a:srgbClr val="000000"/>
-              </a:buClr>
-              <a:buSzPct val="45000"/>
-              <a:buFont typeface="Wingdings" charset="2"/>
-              <a:buChar char=""/>
-            </a:pPr>
-            <a:r>
-              <a:rPr b="0" lang="bg-BG" sz="2000" spc="-1" strike="noStrike">
-                <a:solidFill>
-                  <a:srgbClr val="000000"/>
-                </a:solidFill>
-                <a:latin typeface="Arial"/>
-              </a:rPr>
-              <a:t>Трудно управление на много движещи се елементи</a:t>
-            </a:r>
-            <a:endParaRPr b="0" lang="bg-BG" sz="2000" spc="-1" strike="noStrike">
-              <a:solidFill>
-                <a:srgbClr val="000000"/>
-              </a:solidFill>
-              <a:latin typeface="Arial"/>
-            </a:endParaRPr>
-          </a:p>
-          <a:p>
-            <a:pPr marL="432000" indent="-324000">
-              <a:spcBef>
-                <a:spcPts val="1191"/>
-              </a:spcBef>
-              <a:spcAft>
-                <a:spcPts val="992"/>
-              </a:spcAft>
-              <a:buClr>
-                <a:srgbClr val="000000"/>
-              </a:buClr>
-              <a:buSzPct val="45000"/>
-              <a:buFont typeface="Wingdings" charset="2"/>
-              <a:buChar char=""/>
-            </a:pPr>
-            <a:r>
-              <a:rPr b="0" lang="bg-BG" sz="2000" spc="-1" strike="noStrike">
-                <a:solidFill>
-                  <a:srgbClr val="000000"/>
-                </a:solidFill>
-                <a:latin typeface="Arial"/>
-              </a:rPr>
-              <a:t>Не е предназначен за пикселна графика</a:t>
-            </a:r>
-            <a:endParaRPr b="0" lang="bg-BG" sz="2000" spc="-1" strike="noStrike">
-              <a:solidFill>
-                <a:srgbClr val="000000"/>
-              </a:solidFill>
-              <a:latin typeface="Arial"/>
-            </a:endParaRPr>
-          </a:p>
         </p:txBody>
       </p:sp>
+      <p:pic>
+        <p:nvPicPr>
+          <p:cNvPr id="29" name="" descr=""/>
+          <p:cNvPicPr/>
+          <p:nvPr/>
+        </p:nvPicPr>
+        <p:blipFill>
+          <a:blip r:embed="rId1"/>
+          <a:stretch/>
+        </p:blipFill>
+        <p:spPr>
+          <a:xfrm>
+            <a:off x="4025520" y="3722400"/>
+            <a:ext cx="5068800" cy="3492720"/>
+          </a:xfrm>
+          <a:prstGeom prst="rect">
+            <a:avLst/>
+          </a:prstGeom>
+          <a:ln w="0">
+            <a:noFill/>
+          </a:ln>
+        </p:spPr>
+      </p:pic>
       <p:sp>
         <p:nvSpPr>
           <p:cNvPr id="4" name="PlaceHolder 3"/>
@@ -2304,14 +2700,14 @@
             <a:spLocks noGrp="1"/>
           </p:cNvSpPr>
           <p:nvPr>
-            <p:ph type="sldNum" idx="6"/>
+            <p:ph type="sldNum" idx="5"/>
           </p:nvPr>
         </p:nvSpPr>
         <p:spPr/>
         <p:txBody>
           <a:bodyPr/>
           <a:p>
-            <a:fld id="{9D2ADA2D-FFDB-49E4-961B-B75020B2EAE4}" type="slidenum">
+            <a:fld id="{2F85EFCF-BD58-471C-87BB-E26B68656CF9}" type="slidenum">
               <a:t>3</a:t>
             </a:fld>
           </a:p>
@@ -2349,69 +2745,7 @@
       </p:grpSpPr>
       <p:sp>
         <p:nvSpPr>
-          <p:cNvPr id="23" name="PlaceHolder 1"/>
-          <p:cNvSpPr>
-            <a:spLocks noGrp="1"/>
-          </p:cNvSpPr>
-          <p:nvPr>
-            <p:ph type="title"/>
-          </p:nvPr>
-        </p:nvSpPr>
-        <p:spPr>
-          <a:xfrm>
-            <a:off x="504000" y="301320"/>
-            <a:ext cx="9071640" cy="1262160"/>
-          </a:xfrm>
-          <a:prstGeom prst="rect">
-            <a:avLst/>
-          </a:prstGeom>
-          <a:solidFill>
-            <a:srgbClr val="ffffff">
-              <a:alpha val="50000"/>
-            </a:srgbClr>
-          </a:solidFill>
-          <a:ln w="0">
-            <a:noFill/>
-          </a:ln>
-        </p:spPr>
-        <p:txBody>
-          <a:bodyPr lIns="0" rIns="0" tIns="0" bIns="0" anchor="ctr">
-            <a:noAutofit/>
-          </a:bodyPr>
-          <a:p>
-            <a:pPr indent="0" algn="ctr">
-              <a:spcBef>
-                <a:spcPts val="1191"/>
-              </a:spcBef>
-              <a:spcAft>
-                <a:spcPts val="992"/>
-              </a:spcAft>
-              <a:buNone/>
-            </a:pPr>
-            <a:r>
-              <a:rPr b="1" lang="bg-BG" sz="3000" spc="-1" strike="noStrike">
-                <a:solidFill>
-                  <a:srgbClr val="000000"/>
-                </a:solidFill>
-                <a:latin typeface="Arial"/>
-              </a:rPr>
-              <a:t>Какво е HTML Canvas?</a:t>
-            </a:r>
-            <a:br>
-              <a:rPr sz="3000"/>
-            </a:br>
-            <a:endParaRPr b="1" lang="bg-BG" sz="3000" spc="-1" strike="noStrike">
-              <a:solidFill>
-                <a:srgbClr val="000000"/>
-              </a:solidFill>
-              <a:latin typeface="Arial"/>
-            </a:endParaRPr>
-          </a:p>
-        </p:txBody>
-      </p:sp>
-      <p:sp>
-        <p:nvSpPr>
-          <p:cNvPr id="24" name="PlaceHolder 2"/>
+          <p:cNvPr id="30" name="PlaceHolder 1"/>
           <p:cNvSpPr>
             <a:spLocks noGrp="1"/>
           </p:cNvSpPr>
@@ -2421,17 +2755,13 @@
         </p:nvSpPr>
         <p:spPr>
           <a:xfrm>
-            <a:off x="504000" y="1769040"/>
-            <a:ext cx="9071640" cy="4854960"/>
+            <a:off x="432000" y="304200"/>
+            <a:ext cx="9070920" cy="4854240"/>
           </a:xfrm>
           <a:prstGeom prst="rect">
             <a:avLst/>
           </a:prstGeom>
-          <a:solidFill>
-            <a:srgbClr val="ffffff">
-              <a:alpha val="50000"/>
-            </a:srgbClr>
-          </a:solidFill>
+          <a:noFill/>
           <a:ln w="0">
             <a:noFill/>
           </a:ln>
@@ -2441,7 +2771,42 @@
             <a:normAutofit/>
           </a:bodyPr>
           <a:p>
+            <a:pPr marL="432000" indent="0">
+              <a:lnSpc>
+                <a:spcPct val="100000"/>
+              </a:lnSpc>
+              <a:spcBef>
+                <a:spcPts val="1191"/>
+              </a:spcBef>
+              <a:spcAft>
+                <a:spcPts val="992"/>
+              </a:spcAft>
+              <a:buNone/>
+              <a:tabLst>
+                <a:tab algn="l" pos="0"/>
+              </a:tabLst>
+            </a:pPr>
+            <a:r>
+              <a:rPr b="1" lang="bg-BG" sz="2000" spc="-1" strike="noStrike">
+                <a:solidFill>
+                  <a:srgbClr val="000000"/>
+                </a:solidFill>
+                <a:latin typeface="Arial"/>
+              </a:rPr>
+              <a:t>Ограничения:</a:t>
+            </a:r>
+            <a:endParaRPr b="0" lang="bg-BG" sz="2000" spc="-1" strike="noStrike">
+              <a:solidFill>
+                <a:srgbClr val="000000"/>
+              </a:solidFill>
+              <a:latin typeface="Arial"/>
+            </a:endParaRPr>
+          </a:p>
+          <a:p>
             <a:pPr marL="432000" indent="-324000">
+              <a:lnSpc>
+                <a:spcPct val="100000"/>
+              </a:lnSpc>
               <a:spcBef>
                 <a:spcPts val="1191"/>
               </a:spcBef>
@@ -2454,6 +2819,9 @@
               <a:buSzPct val="45000"/>
               <a:buFont typeface="Wingdings" charset="2"/>
               <a:buChar char=""/>
+              <a:tabLst>
+                <a:tab algn="l" pos="0"/>
+              </a:tabLst>
             </a:pPr>
             <a:r>
               <a:rPr b="0" lang="bg-BG" sz="2000" spc="-1" strike="noStrike">
@@ -2462,7 +2830,7 @@
                 </a:solidFill>
                 <a:latin typeface="Arial"/>
               </a:rPr>
-              <a:t>HTML елементът &lt;canvas&gt; се използва за рисуване на графики в реално време чрез JavaScript.</a:t>
+              <a:t>Лоша производителност при сложни анимации</a:t>
             </a:r>
             <a:endParaRPr b="0" lang="bg-BG" sz="2000" spc="-1" strike="noStrike">
               <a:solidFill>
@@ -2473,6 +2841,9 @@
           </a:p>
           <a:p>
             <a:pPr marL="432000" indent="-324000">
+              <a:lnSpc>
+                <a:spcPct val="100000"/>
+              </a:lnSpc>
               <a:spcBef>
                 <a:spcPts val="1191"/>
               </a:spcBef>
@@ -2485,6 +2856,9 @@
               <a:buSzPct val="45000"/>
               <a:buFont typeface="Wingdings" charset="2"/>
               <a:buChar char=""/>
+              <a:tabLst>
+                <a:tab algn="l" pos="0"/>
+              </a:tabLst>
             </a:pPr>
             <a:r>
               <a:rPr b="0" lang="bg-BG" sz="2000" spc="-1" strike="noStrike">
@@ -2493,7 +2867,7 @@
                 </a:solidFill>
                 <a:latin typeface="Arial"/>
               </a:rPr>
-              <a:t>Елементът &lt;canvas&gt; е само контейнер за графики — необходимо е да използвате JavaScript, за да нарисувате самите графики.</a:t>
+              <a:t>Трудно управление на много движещи се елементи</a:t>
             </a:r>
             <a:endParaRPr b="0" lang="bg-BG" sz="2000" spc="-1" strike="noStrike">
               <a:solidFill>
@@ -2504,6 +2878,9 @@
           </a:p>
           <a:p>
             <a:pPr marL="432000" indent="-324000">
+              <a:lnSpc>
+                <a:spcPct val="100000"/>
+              </a:lnSpc>
               <a:spcBef>
                 <a:spcPts val="1191"/>
               </a:spcBef>
@@ -2516,6 +2893,9 @@
               <a:buSzPct val="45000"/>
               <a:buFont typeface="Wingdings" charset="2"/>
               <a:buChar char=""/>
+              <a:tabLst>
+                <a:tab algn="l" pos="0"/>
+              </a:tabLst>
             </a:pPr>
             <a:r>
               <a:rPr b="0" lang="bg-BG" sz="2000" spc="-1" strike="noStrike">
@@ -2524,56 +2904,8 @@
                 </a:solidFill>
                 <a:latin typeface="Arial"/>
               </a:rPr>
-              <a:t>Canvas предоставя няколко метода за рисуване на пътища, правоъгълници, кръгове, текст и добавяне на изображения.</a:t>
-            </a:r>
-            <a:endParaRPr b="0" lang="bg-BG" sz="2000" spc="-1" strike="noStrike">
-              <a:solidFill>
-                <a:srgbClr val="000000"/>
-              </a:solidFill>
-              <a:latin typeface="Arial"/>
-            </a:endParaRPr>
-          </a:p>
-          <a:p>
-            <a:pPr marL="432000" indent="-324000">
-              <a:spcBef>
-                <a:spcPts val="1191"/>
-              </a:spcBef>
-              <a:spcAft>
-                <a:spcPts val="992"/>
-              </a:spcAft>
-              <a:buClr>
-                <a:srgbClr val="000000"/>
-              </a:buClr>
-              <a:buSzPct val="45000"/>
-              <a:buFont typeface="Wingdings" charset="2"/>
-              <a:buChar char=""/>
-            </a:pPr>
-            <a:r>
-              <a:rPr b="0" lang="bg-BG" sz="2000" spc="-1" strike="noStrike">
-                <a:solidFill>
-                  <a:srgbClr val="000000"/>
-                </a:solidFill>
-                <a:latin typeface="Arial"/>
-              </a:rPr>
-              <a:t>Canvas се поддържа от всички основни браузъри.</a:t>
-            </a:r>
-            <a:endParaRPr b="0" lang="bg-BG" sz="2000" spc="-1" strike="noStrike">
-              <a:solidFill>
-                <a:srgbClr val="000000"/>
-              </a:solidFill>
-              <a:latin typeface="Arial"/>
-            </a:endParaRPr>
-          </a:p>
-          <a:p>
-            <a:pPr marL="432000" indent="0">
-              <a:spcBef>
-                <a:spcPts val="1191"/>
-              </a:spcBef>
-              <a:spcAft>
-                <a:spcPts val="992"/>
-              </a:spcAft>
-              <a:buNone/>
-            </a:pPr>
+              <a:t>Не е предназначен за пикселна графика</a:t>
+            </a:r>
             <a:endParaRPr b="0" lang="bg-BG" sz="2000" spc="-1" strike="noStrike">
               <a:solidFill>
                 <a:srgbClr val="000000"/>
@@ -2583,21 +2915,67 @@
           </a:p>
         </p:txBody>
       </p:sp>
+      <p:pic>
+        <p:nvPicPr>
+          <p:cNvPr id="31" name="" descr=""/>
+          <p:cNvPicPr/>
+          <p:nvPr/>
+        </p:nvPicPr>
+        <p:blipFill>
+          <a:blip r:embed="rId1"/>
+          <a:stretch/>
+        </p:blipFill>
+        <p:spPr>
+          <a:xfrm>
+            <a:off x="305640" y="2655720"/>
+            <a:ext cx="4950720" cy="3879720"/>
+          </a:xfrm>
+          <a:prstGeom prst="rect">
+            <a:avLst/>
+          </a:prstGeom>
+          <a:ln w="0">
+            <a:noFill/>
+          </a:ln>
+        </p:spPr>
+      </p:pic>
+      <p:pic>
+        <p:nvPicPr>
+          <p:cNvPr id="32" name="" descr=""/>
+          <p:cNvPicPr/>
+          <p:nvPr/>
+        </p:nvPicPr>
+        <p:blipFill>
+          <a:blip r:embed="rId2"/>
+          <a:stretch/>
+        </p:blipFill>
+        <p:spPr>
+          <a:xfrm>
+            <a:off x="5796000" y="2917800"/>
+            <a:ext cx="3863520" cy="2757600"/>
+          </a:xfrm>
+          <a:prstGeom prst="rect">
+            <a:avLst/>
+          </a:prstGeom>
+          <a:ln w="0">
+            <a:noFill/>
+          </a:ln>
+        </p:spPr>
+      </p:pic>
       <p:sp>
         <p:nvSpPr>
-          <p:cNvPr id="4" name="PlaceHolder 3"/>
+          <p:cNvPr id="3" name="PlaceHolder 2"/>
           <p:cNvSpPr>
             <a:spLocks noGrp="1"/>
           </p:cNvSpPr>
           <p:nvPr>
-            <p:ph type="sldNum" idx="6"/>
+            <p:ph type="sldNum" idx="5"/>
           </p:nvPr>
         </p:nvSpPr>
         <p:spPr/>
         <p:txBody>
           <a:bodyPr/>
           <a:p>
-            <a:fld id="{2044A2A4-913D-4722-984B-81370258BD5C}" type="slidenum">
+            <a:fld id="{872D681B-FAFA-4A52-8786-73360D658B46}" type="slidenum">
               <a:t>4</a:t>
             </a:fld>
           </a:p>
@@ -2635,7 +3013,7 @@
       </p:grpSpPr>
       <p:sp>
         <p:nvSpPr>
-          <p:cNvPr id="25" name="PlaceHolder 1"/>
+          <p:cNvPr id="33" name="PlaceHolder 1"/>
           <p:cNvSpPr>
             <a:spLocks noGrp="1"/>
           </p:cNvSpPr>
@@ -2646,7 +3024,7 @@
         <p:spPr>
           <a:xfrm>
             <a:off x="504000" y="301320"/>
-            <a:ext cx="9071640" cy="1262160"/>
+            <a:ext cx="9070920" cy="1261440"/>
           </a:xfrm>
           <a:prstGeom prst="rect">
             <a:avLst/>
@@ -2666,18 +3044,33 @@
           </a:bodyPr>
           <a:p>
             <a:pPr indent="0" algn="ctr">
+              <a:lnSpc>
+                <a:spcPct val="100000"/>
+              </a:lnSpc>
+              <a:spcBef>
+                <a:spcPts val="1191"/>
+              </a:spcBef>
+              <a:spcAft>
+                <a:spcPts val="992"/>
+              </a:spcAft>
               <a:buNone/>
-            </a:pPr>
-            <a:r>
-              <a:rPr b="0" lang="bg-BG" sz="4400" spc="-1" strike="noStrike">
-                <a:solidFill>
-                  <a:srgbClr val="000000"/>
-                </a:solidFill>
-                <a:latin typeface="Arial"/>
-              </a:rPr>
-              <a:t>Приложения</a:t>
-            </a:r>
-            <a:endParaRPr b="0" lang="bg-BG" sz="4400" spc="-1" strike="noStrike">
+              <a:tabLst>
+                <a:tab algn="l" pos="0"/>
+              </a:tabLst>
+            </a:pPr>
+            <a:r>
+              <a:rPr b="1" lang="bg-BG" sz="3000" spc="-1" strike="noStrike">
+                <a:solidFill>
+                  <a:srgbClr val="000000"/>
+                </a:solidFill>
+                <a:latin typeface="Arial"/>
+              </a:rPr>
+              <a:t>Какво е HTML Canvas?</a:t>
+            </a:r>
+            <a:br>
+              <a:rPr sz="3000"/>
+            </a:br>
+            <a:endParaRPr b="0" lang="bg-BG" sz="3000" spc="-1" strike="noStrike">
               <a:solidFill>
                 <a:srgbClr val="000000"/>
               </a:solidFill>
@@ -2688,7 +3081,7 @@
       </p:sp>
       <p:sp>
         <p:nvSpPr>
-          <p:cNvPr id="26" name="PlaceHolder 2"/>
+          <p:cNvPr id="34" name="PlaceHolder 2"/>
           <p:cNvSpPr>
             <a:spLocks noGrp="1"/>
           </p:cNvSpPr>
@@ -2699,7 +3092,7 @@
         <p:spPr>
           <a:xfrm>
             <a:off x="504000" y="1769040"/>
-            <a:ext cx="9071640" cy="4854960"/>
+            <a:ext cx="9070920" cy="4854240"/>
           </a:xfrm>
           <a:prstGeom prst="rect">
             <a:avLst/>
@@ -2719,6 +3112,9 @@
           </a:bodyPr>
           <a:p>
             <a:pPr marL="432000" indent="-324000">
+              <a:lnSpc>
+                <a:spcPct val="100000"/>
+              </a:lnSpc>
               <a:spcBef>
                 <a:spcPts val="1191"/>
               </a:spcBef>
@@ -2733,15 +3129,15 @@
               <a:buChar char=""/>
             </a:pPr>
             <a:r>
-              <a:rPr b="0" lang="bg-BG" sz="3000" spc="-1" strike="noStrike">
-                <a:solidFill>
-                  <a:srgbClr val="000000"/>
-                </a:solidFill>
-                <a:latin typeface="Arial"/>
-              </a:rPr>
-              <a:t>Игри</a:t>
-            </a:r>
-            <a:endParaRPr b="0" lang="bg-BG" sz="3000" spc="-1" strike="noStrike">
+              <a:rPr b="0" lang="bg-BG" sz="2000" spc="-1" strike="noStrike">
+                <a:solidFill>
+                  <a:srgbClr val="000000"/>
+                </a:solidFill>
+                <a:latin typeface="Arial"/>
+              </a:rPr>
+              <a:t>HTML елементът &lt;canvas&gt; се използва за рисуване на графики в реално време чрез JavaScript.</a:t>
+            </a:r>
+            <a:endParaRPr b="0" lang="bg-BG" sz="2000" spc="-1" strike="noStrike">
               <a:solidFill>
                 <a:srgbClr val="000000"/>
               </a:solidFill>
@@ -2750,6 +3146,9 @@
           </a:p>
           <a:p>
             <a:pPr marL="432000" indent="-324000">
+              <a:lnSpc>
+                <a:spcPct val="100000"/>
+              </a:lnSpc>
               <a:spcBef>
                 <a:spcPts val="1191"/>
               </a:spcBef>
@@ -2764,15 +3163,15 @@
               <a:buChar char=""/>
             </a:pPr>
             <a:r>
-              <a:rPr b="0" lang="bg-BG" sz="3000" spc="-1" strike="noStrike">
-                <a:solidFill>
-                  <a:srgbClr val="000000"/>
-                </a:solidFill>
-                <a:latin typeface="Arial"/>
-              </a:rPr>
-              <a:t>Визуализации</a:t>
-            </a:r>
-            <a:endParaRPr b="0" lang="bg-BG" sz="3000" spc="-1" strike="noStrike">
+              <a:rPr b="0" lang="bg-BG" sz="2000" spc="-1" strike="noStrike">
+                <a:solidFill>
+                  <a:srgbClr val="000000"/>
+                </a:solidFill>
+                <a:latin typeface="Arial"/>
+              </a:rPr>
+              <a:t>Елементът &lt;canvas&gt; е само контейнер за графики — необходимо е да използвате JavaScript, за да нарисувате самите графики.</a:t>
+            </a:r>
+            <a:endParaRPr b="0" lang="bg-BG" sz="2000" spc="-1" strike="noStrike">
               <a:solidFill>
                 <a:srgbClr val="000000"/>
               </a:solidFill>
@@ -2781,6 +3180,9 @@
           </a:p>
           <a:p>
             <a:pPr marL="432000" indent="-324000">
+              <a:lnSpc>
+                <a:spcPct val="100000"/>
+              </a:lnSpc>
               <a:spcBef>
                 <a:spcPts val="1191"/>
               </a:spcBef>
@@ -2795,15 +3197,15 @@
               <a:buChar char=""/>
             </a:pPr>
             <a:r>
-              <a:rPr b="0" lang="bg-BG" sz="3000" spc="-1" strike="noStrike">
-                <a:solidFill>
-                  <a:srgbClr val="000000"/>
-                </a:solidFill>
-                <a:latin typeface="Arial"/>
-              </a:rPr>
-              <a:t>Графични редактори</a:t>
-            </a:r>
-            <a:endParaRPr b="0" lang="bg-BG" sz="3000" spc="-1" strike="noStrike">
+              <a:rPr b="0" lang="bg-BG" sz="2000" spc="-1" strike="noStrike">
+                <a:solidFill>
+                  <a:srgbClr val="000000"/>
+                </a:solidFill>
+                <a:latin typeface="Arial"/>
+              </a:rPr>
+              <a:t>Canvas предоставя няколко метода за рисуване на пътища, правоъгълници, кръгове, текст и добавяне на изображения.</a:t>
+            </a:r>
+            <a:endParaRPr b="0" lang="bg-BG" sz="2000" spc="-1" strike="noStrike">
               <a:solidFill>
                 <a:srgbClr val="000000"/>
               </a:solidFill>
@@ -2812,6 +3214,9 @@
           </a:p>
           <a:p>
             <a:pPr marL="432000" indent="-324000">
+              <a:lnSpc>
+                <a:spcPct val="100000"/>
+              </a:lnSpc>
               <a:spcBef>
                 <a:spcPts val="1191"/>
               </a:spcBef>
@@ -2826,15 +3231,15 @@
               <a:buChar char=""/>
             </a:pPr>
             <a:r>
-              <a:rPr b="0" lang="bg-BG" sz="3000" spc="-1" strike="noStrike">
-                <a:solidFill>
-                  <a:srgbClr val="000000"/>
-                </a:solidFill>
-                <a:latin typeface="Arial"/>
-              </a:rPr>
-              <a:t>Анимации</a:t>
-            </a:r>
-            <a:endParaRPr b="0" lang="bg-BG" sz="3000" spc="-1" strike="noStrike">
+              <a:rPr b="0" lang="bg-BG" sz="2000" spc="-1" strike="noStrike">
+                <a:solidFill>
+                  <a:srgbClr val="000000"/>
+                </a:solidFill>
+                <a:latin typeface="Arial"/>
+              </a:rPr>
+              <a:t>Canvas се поддържа от всички основни браузъри.</a:t>
+            </a:r>
+            <a:endParaRPr b="0" lang="bg-BG" sz="2000" spc="-1" strike="noStrike">
               <a:solidFill>
                 <a:srgbClr val="000000"/>
               </a:solidFill>
@@ -2843,6 +3248,9 @@
           </a:p>
           <a:p>
             <a:pPr marL="432000" indent="0">
+              <a:lnSpc>
+                <a:spcPct val="100000"/>
+              </a:lnSpc>
               <a:spcBef>
                 <a:spcPts val="1191"/>
               </a:spcBef>
@@ -2850,8 +3258,11 @@
                 <a:spcPts val="992"/>
               </a:spcAft>
               <a:buNone/>
-            </a:pPr>
-            <a:endParaRPr b="0" lang="bg-BG" sz="3000" spc="-1" strike="noStrike">
+              <a:tabLst>
+                <a:tab algn="l" pos="0"/>
+              </a:tabLst>
+            </a:pPr>
+            <a:endParaRPr b="0" lang="bg-BG" sz="2000" spc="-1" strike="noStrike">
               <a:solidFill>
                 <a:srgbClr val="000000"/>
               </a:solidFill>
@@ -2860,6 +3271,29 @@
           </a:p>
         </p:txBody>
       </p:sp>
+      <p:pic>
+        <p:nvPicPr>
+          <p:cNvPr id="35" name="" descr=""/>
+          <p:cNvPicPr/>
+          <p:nvPr/>
+        </p:nvPicPr>
+        <p:blipFill>
+          <a:blip r:embed="rId1"/>
+          <a:stretch/>
+        </p:blipFill>
+        <p:spPr>
+          <a:xfrm>
+            <a:off x="4052520" y="4789800"/>
+            <a:ext cx="4608720" cy="2592360"/>
+          </a:xfrm>
+          <a:prstGeom prst="rect">
+            <a:avLst/>
+          </a:prstGeom>
+          <a:ln w="0">
+            <a:noFill/>
+          </a:ln>
+        </p:spPr>
+      </p:pic>
       <p:sp>
         <p:nvSpPr>
           <p:cNvPr id="4" name="PlaceHolder 3"/>
@@ -2867,14 +3301,14 @@
             <a:spLocks noGrp="1"/>
           </p:cNvSpPr>
           <p:nvPr>
-            <p:ph type="sldNum" idx="6"/>
+            <p:ph type="sldNum" idx="5"/>
           </p:nvPr>
         </p:nvSpPr>
         <p:spPr/>
         <p:txBody>
           <a:bodyPr/>
           <a:p>
-            <a:fld id="{AEA7030E-D03A-4EBC-84A3-4E609FBB9E3F}" type="slidenum">
+            <a:fld id="{9E85C348-5A2F-49CB-BAAD-0839F4846412}" type="slidenum">
               <a:t>5</a:t>
             </a:fld>
           </a:p>
@@ -2912,7 +3346,7 @@
       </p:grpSpPr>
       <p:sp>
         <p:nvSpPr>
-          <p:cNvPr id="27" name="PlaceHolder 1"/>
+          <p:cNvPr id="36" name="PlaceHolder 1"/>
           <p:cNvSpPr>
             <a:spLocks noGrp="1"/>
           </p:cNvSpPr>
@@ -2923,7 +3357,7 @@
         <p:spPr>
           <a:xfrm>
             <a:off x="504000" y="301320"/>
-            <a:ext cx="9071640" cy="1262160"/>
+            <a:ext cx="9070920" cy="1261440"/>
           </a:xfrm>
           <a:prstGeom prst="rect">
             <a:avLst/>
@@ -2943,7 +3377,383 @@
           </a:bodyPr>
           <a:p>
             <a:pPr indent="0" algn="ctr">
+              <a:lnSpc>
+                <a:spcPct val="100000"/>
+              </a:lnSpc>
               <a:buNone/>
+              <a:tabLst>
+                <a:tab algn="l" pos="0"/>
+              </a:tabLst>
+            </a:pPr>
+            <a:r>
+              <a:rPr b="0" lang="bg-BG" sz="4400" spc="-1" strike="noStrike">
+                <a:solidFill>
+                  <a:srgbClr val="000000"/>
+                </a:solidFill>
+                <a:latin typeface="Arial"/>
+              </a:rPr>
+              <a:t>Приложения</a:t>
+            </a:r>
+            <a:endParaRPr b="0" lang="bg-BG" sz="4400" spc="-1" strike="noStrike">
+              <a:solidFill>
+                <a:srgbClr val="000000"/>
+              </a:solidFill>
+              <a:latin typeface="Arial"/>
+            </a:endParaRPr>
+          </a:p>
+        </p:txBody>
+      </p:sp>
+      <p:sp>
+        <p:nvSpPr>
+          <p:cNvPr id="37" name="PlaceHolder 2"/>
+          <p:cNvSpPr>
+            <a:spLocks noGrp="1"/>
+          </p:cNvSpPr>
+          <p:nvPr>
+            <p:ph/>
+          </p:nvPr>
+        </p:nvSpPr>
+        <p:spPr>
+          <a:xfrm>
+            <a:off x="504000" y="1769040"/>
+            <a:ext cx="9070920" cy="4854240"/>
+          </a:xfrm>
+          <a:prstGeom prst="rect">
+            <a:avLst/>
+          </a:prstGeom>
+          <a:solidFill>
+            <a:srgbClr val="ffffff">
+              <a:alpha val="50000"/>
+            </a:srgbClr>
+          </a:solidFill>
+          <a:ln w="0">
+            <a:noFill/>
+          </a:ln>
+        </p:spPr>
+        <p:txBody>
+          <a:bodyPr lIns="0" rIns="0" tIns="0" bIns="0" anchor="t">
+            <a:normAutofit/>
+          </a:bodyPr>
+          <a:p>
+            <a:pPr marL="432000" indent="-324000">
+              <a:lnSpc>
+                <a:spcPct val="100000"/>
+              </a:lnSpc>
+              <a:spcBef>
+                <a:spcPts val="1191"/>
+              </a:spcBef>
+              <a:spcAft>
+                <a:spcPts val="992"/>
+              </a:spcAft>
+              <a:buClr>
+                <a:srgbClr val="000000"/>
+              </a:buClr>
+              <a:buSzPct val="45000"/>
+              <a:buFont typeface="Wingdings" charset="2"/>
+              <a:buChar char=""/>
+            </a:pPr>
+            <a:r>
+              <a:rPr b="0" lang="bg-BG" sz="3000" spc="-1" strike="noStrike">
+                <a:solidFill>
+                  <a:srgbClr val="000000"/>
+                </a:solidFill>
+                <a:latin typeface="Arial"/>
+              </a:rPr>
+              <a:t>Игри</a:t>
+            </a:r>
+            <a:endParaRPr b="0" lang="bg-BG" sz="3000" spc="-1" strike="noStrike">
+              <a:solidFill>
+                <a:srgbClr val="000000"/>
+              </a:solidFill>
+              <a:latin typeface="Arial"/>
+            </a:endParaRPr>
+          </a:p>
+          <a:p>
+            <a:pPr marL="432000" indent="-324000">
+              <a:lnSpc>
+                <a:spcPct val="100000"/>
+              </a:lnSpc>
+              <a:spcBef>
+                <a:spcPts val="1191"/>
+              </a:spcBef>
+              <a:spcAft>
+                <a:spcPts val="992"/>
+              </a:spcAft>
+              <a:buClr>
+                <a:srgbClr val="000000"/>
+              </a:buClr>
+              <a:buSzPct val="45000"/>
+              <a:buFont typeface="Wingdings" charset="2"/>
+              <a:buChar char=""/>
+            </a:pPr>
+            <a:r>
+              <a:rPr b="0" lang="bg-BG" sz="3000" spc="-1" strike="noStrike">
+                <a:solidFill>
+                  <a:srgbClr val="000000"/>
+                </a:solidFill>
+                <a:latin typeface="Arial"/>
+              </a:rPr>
+              <a:t>Визуализации</a:t>
+            </a:r>
+            <a:endParaRPr b="0" lang="bg-BG" sz="3000" spc="-1" strike="noStrike">
+              <a:solidFill>
+                <a:srgbClr val="000000"/>
+              </a:solidFill>
+              <a:latin typeface="Arial"/>
+            </a:endParaRPr>
+          </a:p>
+          <a:p>
+            <a:pPr marL="432000" indent="-324000">
+              <a:lnSpc>
+                <a:spcPct val="100000"/>
+              </a:lnSpc>
+              <a:spcBef>
+                <a:spcPts val="1191"/>
+              </a:spcBef>
+              <a:spcAft>
+                <a:spcPts val="992"/>
+              </a:spcAft>
+              <a:buClr>
+                <a:srgbClr val="000000"/>
+              </a:buClr>
+              <a:buSzPct val="45000"/>
+              <a:buFont typeface="Wingdings" charset="2"/>
+              <a:buChar char=""/>
+            </a:pPr>
+            <a:r>
+              <a:rPr b="0" lang="bg-BG" sz="3000" spc="-1" strike="noStrike">
+                <a:solidFill>
+                  <a:srgbClr val="000000"/>
+                </a:solidFill>
+                <a:latin typeface="Arial"/>
+              </a:rPr>
+              <a:t>Графични редактори</a:t>
+            </a:r>
+            <a:endParaRPr b="0" lang="bg-BG" sz="3000" spc="-1" strike="noStrike">
+              <a:solidFill>
+                <a:srgbClr val="000000"/>
+              </a:solidFill>
+              <a:latin typeface="Arial"/>
+            </a:endParaRPr>
+          </a:p>
+          <a:p>
+            <a:pPr marL="432000" indent="-324000">
+              <a:lnSpc>
+                <a:spcPct val="100000"/>
+              </a:lnSpc>
+              <a:spcBef>
+                <a:spcPts val="1191"/>
+              </a:spcBef>
+              <a:spcAft>
+                <a:spcPts val="992"/>
+              </a:spcAft>
+              <a:buClr>
+                <a:srgbClr val="000000"/>
+              </a:buClr>
+              <a:buSzPct val="45000"/>
+              <a:buFont typeface="Wingdings" charset="2"/>
+              <a:buChar char=""/>
+            </a:pPr>
+            <a:r>
+              <a:rPr b="0" lang="bg-BG" sz="3000" spc="-1" strike="noStrike">
+                <a:solidFill>
+                  <a:srgbClr val="000000"/>
+                </a:solidFill>
+                <a:latin typeface="Arial"/>
+              </a:rPr>
+              <a:t>Анимации</a:t>
+            </a:r>
+            <a:endParaRPr b="0" lang="bg-BG" sz="3000" spc="-1" strike="noStrike">
+              <a:solidFill>
+                <a:srgbClr val="000000"/>
+              </a:solidFill>
+              <a:latin typeface="Arial"/>
+            </a:endParaRPr>
+          </a:p>
+          <a:p>
+            <a:pPr marL="432000" indent="0">
+              <a:lnSpc>
+                <a:spcPct val="100000"/>
+              </a:lnSpc>
+              <a:spcBef>
+                <a:spcPts val="1191"/>
+              </a:spcBef>
+              <a:spcAft>
+                <a:spcPts val="992"/>
+              </a:spcAft>
+              <a:buNone/>
+              <a:tabLst>
+                <a:tab algn="l" pos="0"/>
+              </a:tabLst>
+            </a:pPr>
+            <a:endParaRPr b="0" lang="bg-BG" sz="3000" spc="-1" strike="noStrike">
+              <a:solidFill>
+                <a:srgbClr val="000000"/>
+              </a:solidFill>
+              <a:latin typeface="Arial"/>
+            </a:endParaRPr>
+          </a:p>
+        </p:txBody>
+      </p:sp>
+      <p:pic>
+        <p:nvPicPr>
+          <p:cNvPr id="38" name="" descr=""/>
+          <p:cNvPicPr/>
+          <p:nvPr/>
+        </p:nvPicPr>
+        <p:blipFill>
+          <a:blip r:embed="rId1"/>
+          <a:stretch/>
+        </p:blipFill>
+        <p:spPr>
+          <a:xfrm>
+            <a:off x="4978080" y="1884240"/>
+            <a:ext cx="4869360" cy="2738880"/>
+          </a:xfrm>
+          <a:prstGeom prst="rect">
+            <a:avLst/>
+          </a:prstGeom>
+          <a:ln w="0">
+            <a:noFill/>
+          </a:ln>
+        </p:spPr>
+      </p:pic>
+      <p:pic>
+        <p:nvPicPr>
+          <p:cNvPr id="39" name="" descr=""/>
+          <p:cNvPicPr/>
+          <p:nvPr/>
+        </p:nvPicPr>
+        <p:blipFill>
+          <a:blip r:embed="rId2"/>
+          <a:stretch/>
+        </p:blipFill>
+        <p:spPr>
+          <a:xfrm>
+            <a:off x="5601240" y="5075280"/>
+            <a:ext cx="2761920" cy="1657080"/>
+          </a:xfrm>
+          <a:prstGeom prst="rect">
+            <a:avLst/>
+          </a:prstGeom>
+          <a:ln w="0">
+            <a:noFill/>
+          </a:ln>
+        </p:spPr>
+      </p:pic>
+      <p:pic>
+        <p:nvPicPr>
+          <p:cNvPr id="40" name="" descr=""/>
+          <p:cNvPicPr/>
+          <p:nvPr/>
+        </p:nvPicPr>
+        <p:blipFill>
+          <a:blip r:embed="rId3"/>
+          <a:stretch/>
+        </p:blipFill>
+        <p:spPr>
+          <a:xfrm>
+            <a:off x="409680" y="4708080"/>
+            <a:ext cx="4571640" cy="2571480"/>
+          </a:xfrm>
+          <a:prstGeom prst="rect">
+            <a:avLst/>
+          </a:prstGeom>
+          <a:ln w="0">
+            <a:noFill/>
+          </a:ln>
+        </p:spPr>
+      </p:pic>
+      <p:sp>
+        <p:nvSpPr>
+          <p:cNvPr id="4" name="PlaceHolder 3"/>
+          <p:cNvSpPr>
+            <a:spLocks noGrp="1"/>
+          </p:cNvSpPr>
+          <p:nvPr>
+            <p:ph type="sldNum" idx="5"/>
+          </p:nvPr>
+        </p:nvSpPr>
+        <p:spPr/>
+        <p:txBody>
+          <a:bodyPr/>
+          <a:p>
+            <a:fld id="{35F3DAE2-7A9D-4D94-A5FF-762B0CDE646C}" type="slidenum">
+              <a:t>6</a:t>
+            </a:fld>
+          </a:p>
+        </p:txBody>
+      </p:sp>
+    </p:spTree>
+  </p:cSld>
+  <mc:AlternateContent>
+    <mc:Choice Requires="p14">
+      <p:transition spd="slow" p14:dur="2000"/>
+    </mc:Choice>
+    <mc:Fallback>
+      <p:transition spd="slow"/>
+    </mc:Fallback>
+  </mc:AlternateContent>
+</p:sld>
+</file>
+
+<file path=ppt/slides/slide7.xml><?xml version="1.0" encoding="utf-8"?>
+<p:sld xmlns:a="http://schemas.openxmlformats.org/drawingml/2006/main" xmlns:p="http://schemas.openxmlformats.org/presentationml/2006/main" xmlns:r="http://schemas.openxmlformats.org/officeDocument/2006/relationships" xmlns:p14="http://schemas.microsoft.com/office/powerpoint/2010/main" xmlns:p15="http://schemas.microsoft.com/office/powerpoint/2012/main" xmlns:mc="http://schemas.openxmlformats.org/markup-compatibility/2006">
+  <p:cSld>
+    <p:spTree>
+      <p:nvGrpSpPr>
+        <p:cNvPr id="1" name=""/>
+        <p:cNvGrpSpPr/>
+        <p:nvPr/>
+      </p:nvGrpSpPr>
+      <p:grpSpPr>
+        <a:xfrm>
+          <a:off x="0" y="0"/>
+          <a:ext cx="0" cy="0"/>
+          <a:chOff x="0" y="0"/>
+          <a:chExt cx="0" cy="0"/>
+        </a:xfrm>
+      </p:grpSpPr>
+      <p:sp>
+        <p:nvSpPr>
+          <p:cNvPr id="41" name="PlaceHolder 1"/>
+          <p:cNvSpPr>
+            <a:spLocks noGrp="1"/>
+          </p:cNvSpPr>
+          <p:nvPr>
+            <p:ph type="title"/>
+          </p:nvPr>
+        </p:nvSpPr>
+        <p:spPr>
+          <a:xfrm>
+            <a:off x="504000" y="301320"/>
+            <a:ext cx="9070920" cy="1261440"/>
+          </a:xfrm>
+          <a:prstGeom prst="rect">
+            <a:avLst/>
+          </a:prstGeom>
+          <a:solidFill>
+            <a:srgbClr val="ffffff">
+              <a:alpha val="50000"/>
+            </a:srgbClr>
+          </a:solidFill>
+          <a:ln w="0">
+            <a:noFill/>
+          </a:ln>
+        </p:spPr>
+        <p:txBody>
+          <a:bodyPr lIns="0" rIns="0" tIns="0" bIns="0" anchor="ctr">
+            <a:noAutofit/>
+          </a:bodyPr>
+          <a:p>
+            <a:pPr indent="0" algn="ctr">
+              <a:lnSpc>
+                <a:spcPct val="100000"/>
+              </a:lnSpc>
+              <a:buNone/>
+              <a:tabLst>
+                <a:tab algn="l" pos="0"/>
+              </a:tabLst>
             </a:pPr>
             <a:r>
               <a:rPr b="0" lang="bg-BG" sz="4400" spc="-1" strike="noStrike">
@@ -2965,13 +3775,13 @@
       </p:sp>
       <p:graphicFrame>
         <p:nvGraphicFramePr>
-          <p:cNvPr id="28" name=""/>
+          <p:cNvPr id="42" name=""/>
           <p:cNvGraphicFramePr/>
           <p:nvPr/>
         </p:nvGraphicFramePr>
         <p:xfrm>
           <a:off x="504000" y="1769040"/>
-          <a:ext cx="9071280" cy="1038600"/>
+          <a:ext cx="9071280" cy="1414080"/>
         </p:xfrm>
         <a:graphic>
           <a:graphicData uri="http://schemas.openxmlformats.org/drawingml/2006/table">
@@ -2984,18 +3794,23 @@
               <a:tr h="346320">
                 <a:tc>
                   <a:txBody>
-                    <a:bodyPr lIns="36000" rIns="36000" tIns="36000" bIns="36000" anchor="t">
+                    <a:bodyPr lIns="36000" rIns="36000" anchor="t">
                       <a:noAutofit/>
                     </a:bodyPr>
                     <a:p>
-                      <a:pPr indent="0" algn="ctr">
+                      <a:pPr algn="ctr">
+                        <a:lnSpc>
+                          <a:spcPct val="100000"/>
+                        </a:lnSpc>
                         <a:spcBef>
                           <a:spcPts val="1191"/>
                         </a:spcBef>
                         <a:spcAft>
                           <a:spcPts val="992"/>
                         </a:spcAft>
-                        <a:buNone/>
+                        <a:tabLst>
+                          <a:tab algn="l" pos="0"/>
+                        </a:tabLst>
                       </a:pPr>
                       <a:r>
                         <a:rPr b="1" lang="bg-BG" sz="2000" spc="-1" strike="noStrike">
@@ -3006,7 +3821,7 @@
                         </a:rPr>
                         <a:t>HTML+CSS (DOM)</a:t>
                       </a:r>
-                      <a:endParaRPr b="1" lang="bg-BG" sz="2000" spc="-1" strike="noStrike">
+                      <a:endParaRPr b="0" lang="bg-BG" sz="2000" spc="-1" strike="noStrike">
                         <a:solidFill>
                           <a:srgbClr val="000000"/>
                         </a:solidFill>
@@ -3044,12 +3859,17 @@
                 </a:tc>
                 <a:tc>
                   <a:txBody>
-                    <a:bodyPr lIns="36000" rIns="36000" tIns="36000" bIns="36000" anchor="t">
+                    <a:bodyPr lIns="36000" rIns="36000" anchor="t">
                       <a:noAutofit/>
                     </a:bodyPr>
                     <a:p>
-                      <a:pPr indent="0" algn="ctr">
-                        <a:buNone/>
+                      <a:pPr algn="ctr">
+                        <a:lnSpc>
+                          <a:spcPct val="100000"/>
+                        </a:lnSpc>
+                        <a:tabLst>
+                          <a:tab algn="l" pos="0"/>
+                        </a:tabLst>
                       </a:pPr>
                       <a:r>
                         <a:rPr b="1" lang="bg-BG" sz="1800" spc="-1" strike="noStrike">
@@ -3060,7 +3880,7 @@
                         </a:rPr>
                         <a:t>Canvas</a:t>
                       </a:r>
-                      <a:endParaRPr b="1" lang="bg-BG" sz="1800" spc="-1" strike="noStrike">
+                      <a:endParaRPr b="0" lang="bg-BG" sz="1800" spc="-1" strike="noStrike">
                         <a:solidFill>
                           <a:srgbClr val="000000"/>
                         </a:solidFill>
@@ -3100,18 +3920,23 @@
               <a:tr h="346320">
                 <a:tc>
                   <a:txBody>
-                    <a:bodyPr lIns="36000" rIns="36000" tIns="36000" bIns="36000" anchor="t">
+                    <a:bodyPr lIns="36000" rIns="36000" anchor="t">
                       <a:noAutofit/>
                     </a:bodyPr>
                     <a:p>
-                      <a:pPr indent="0">
+                      <a:pPr>
+                        <a:lnSpc>
+                          <a:spcPct val="100000"/>
+                        </a:lnSpc>
                         <a:spcBef>
                           <a:spcPts val="1191"/>
                         </a:spcBef>
                         <a:spcAft>
                           <a:spcPts val="992"/>
                         </a:spcAft>
-                        <a:buNone/>
+                        <a:tabLst>
+                          <a:tab algn="l" pos="0"/>
+                        </a:tabLst>
                       </a:pPr>
                       <a:r>
                         <a:rPr b="0" lang="bg-BG" sz="1000" spc="-1" strike="noStrike">
@@ -3160,18 +3985,23 @@
                 </a:tc>
                 <a:tc>
                   <a:txBody>
-                    <a:bodyPr lIns="36000" rIns="36000" tIns="36000" bIns="36000" anchor="t">
+                    <a:bodyPr lIns="36000" rIns="36000" anchor="t">
                       <a:noAutofit/>
                     </a:bodyPr>
                     <a:p>
-                      <a:pPr indent="0">
+                      <a:pPr>
+                        <a:lnSpc>
+                          <a:spcPct val="100000"/>
+                        </a:lnSpc>
                         <a:spcBef>
                           <a:spcPts val="1191"/>
                         </a:spcBef>
                         <a:spcAft>
                           <a:spcPts val="992"/>
                         </a:spcAft>
-                        <a:buNone/>
+                        <a:tabLst>
+                          <a:tab algn="l" pos="0"/>
+                        </a:tabLst>
                       </a:pPr>
                       <a:r>
                         <a:rPr b="0" lang="bg-BG" sz="1000" spc="-1" strike="noStrike">
@@ -3222,18 +4052,23 @@
               <a:tr h="346320">
                 <a:tc>
                   <a:txBody>
-                    <a:bodyPr lIns="36000" rIns="36000" tIns="36000" bIns="36000" anchor="t">
+                    <a:bodyPr lIns="36000" rIns="36000" anchor="t">
                       <a:noAutofit/>
                     </a:bodyPr>
                     <a:p>
-                      <a:pPr indent="0">
+                      <a:pPr>
+                        <a:lnSpc>
+                          <a:spcPct val="100000"/>
+                        </a:lnSpc>
                         <a:spcBef>
                           <a:spcPts val="1191"/>
                         </a:spcBef>
                         <a:spcAft>
                           <a:spcPts val="992"/>
                         </a:spcAft>
-                        <a:buNone/>
+                        <a:tabLst>
+                          <a:tab algn="l" pos="0"/>
+                        </a:tabLst>
                       </a:pPr>
                       <a:r>
                         <a:rPr b="0" lang="bg-BG" sz="1000" spc="-1" strike="noStrike">
@@ -3282,18 +4117,23 @@
                 </a:tc>
                 <a:tc>
                   <a:txBody>
-                    <a:bodyPr lIns="36000" rIns="36000" tIns="36000" bIns="36000" anchor="t">
+                    <a:bodyPr lIns="36000" rIns="36000" anchor="t">
                       <a:noAutofit/>
                     </a:bodyPr>
                     <a:p>
-                      <a:pPr indent="0">
+                      <a:pPr>
+                        <a:lnSpc>
+                          <a:spcPct val="100000"/>
+                        </a:lnSpc>
                         <a:spcBef>
                           <a:spcPts val="1191"/>
                         </a:spcBef>
                         <a:spcAft>
                           <a:spcPts val="992"/>
                         </a:spcAft>
-                        <a:buNone/>
+                        <a:tabLst>
+                          <a:tab algn="l" pos="0"/>
+                        </a:tabLst>
                       </a:pPr>
                       <a:r>
                         <a:rPr b="0" lang="bg-BG" sz="1000" spc="-1" strike="noStrike">
@@ -3344,18 +4184,23 @@
               <a:tr h="346320">
                 <a:tc>
                   <a:txBody>
-                    <a:bodyPr lIns="36000" rIns="36000" tIns="36000" bIns="36000" anchor="t">
+                    <a:bodyPr lIns="36000" rIns="36000" anchor="t">
                       <a:noAutofit/>
                     </a:bodyPr>
                     <a:p>
-                      <a:pPr indent="0">
+                      <a:pPr>
+                        <a:lnSpc>
+                          <a:spcPct val="100000"/>
+                        </a:lnSpc>
                         <a:spcBef>
                           <a:spcPts val="1191"/>
                         </a:spcBef>
                         <a:spcAft>
                           <a:spcPts val="992"/>
                         </a:spcAft>
-                        <a:buNone/>
+                        <a:tabLst>
+                          <a:tab algn="l" pos="0"/>
+                        </a:tabLst>
                       </a:pPr>
                       <a:r>
                         <a:rPr b="0" lang="bg-BG" sz="1000" spc="-1" strike="noStrike">
@@ -3404,18 +4249,23 @@
                 </a:tc>
                 <a:tc>
                   <a:txBody>
-                    <a:bodyPr lIns="36000" rIns="36000" tIns="36000" bIns="36000" anchor="t">
+                    <a:bodyPr lIns="36000" rIns="36000" anchor="t">
                       <a:noAutofit/>
                     </a:bodyPr>
                     <a:p>
-                      <a:pPr indent="0">
+                      <a:pPr>
+                        <a:lnSpc>
+                          <a:spcPct val="100000"/>
+                        </a:lnSpc>
                         <a:spcBef>
                           <a:spcPts val="1191"/>
                         </a:spcBef>
                         <a:spcAft>
                           <a:spcPts val="992"/>
                         </a:spcAft>
-                        <a:buNone/>
+                        <a:tabLst>
+                          <a:tab algn="l" pos="0"/>
+                        </a:tabLst>
                       </a:pPr>
                       <a:r>
                         <a:rPr b="0" lang="bg-BG" sz="1000" spc="-1" strike="noStrike">
@@ -3467,6 +4317,29 @@
           </a:graphicData>
         </a:graphic>
       </p:graphicFrame>
+      <p:pic>
+        <p:nvPicPr>
+          <p:cNvPr id="43" name="" descr=""/>
+          <p:cNvPicPr/>
+          <p:nvPr/>
+        </p:nvPicPr>
+        <p:blipFill>
+          <a:blip r:embed="rId1"/>
+          <a:stretch/>
+        </p:blipFill>
+        <p:spPr>
+          <a:xfrm>
+            <a:off x="1231200" y="3307320"/>
+            <a:ext cx="7619760" cy="3809520"/>
+          </a:xfrm>
+          <a:prstGeom prst="rect">
+            <a:avLst/>
+          </a:prstGeom>
+          <a:ln w="0">
+            <a:noFill/>
+          </a:ln>
+        </p:spPr>
+      </p:pic>
       <p:sp>
         <p:nvSpPr>
           <p:cNvPr id="3" name="PlaceHolder 2"/>
@@ -3474,15 +4347,15 @@
             <a:spLocks noGrp="1"/>
           </p:cNvSpPr>
           <p:nvPr>
-            <p:ph type="sldNum" idx="6"/>
+            <p:ph type="sldNum" idx="5"/>
           </p:nvPr>
         </p:nvSpPr>
         <p:spPr/>
         <p:txBody>
           <a:bodyPr/>
           <a:p>
-            <a:fld id="{7FF0270F-D11A-4522-B88A-FE7E467B04C5}" type="slidenum">
-              <a:t>6</a:t>
+            <a:fld id="{774F8824-B2FF-45B9-BB6A-2C3446F16A1B}" type="slidenum">
+              <a:t>7</a:t>
             </a:fld>
           </a:p>
         </p:txBody>
@@ -3500,7 +4373,7 @@
 </p:sld>
 </file>
 
-<file path=ppt/slides/slide7.xml><?xml version="1.0" encoding="utf-8"?>
+<file path=ppt/slides/slide8.xml><?xml version="1.0" encoding="utf-8"?>
 <p:sld xmlns:a="http://schemas.openxmlformats.org/drawingml/2006/main" xmlns:p="http://schemas.openxmlformats.org/presentationml/2006/main" xmlns:r="http://schemas.openxmlformats.org/officeDocument/2006/relationships" xmlns:p14="http://schemas.microsoft.com/office/powerpoint/2010/main" xmlns:p15="http://schemas.microsoft.com/office/powerpoint/2012/main" xmlns:mc="http://schemas.openxmlformats.org/markup-compatibility/2006">
   <p:cSld>
     <p:spTree>
@@ -3519,7 +4392,7 @@
       </p:grpSpPr>
       <p:sp>
         <p:nvSpPr>
-          <p:cNvPr id="29" name="PlaceHolder 1"/>
+          <p:cNvPr id="44" name="PlaceHolder 1"/>
           <p:cNvSpPr>
             <a:spLocks noGrp="1"/>
           </p:cNvSpPr>
@@ -3530,7 +4403,7 @@
         <p:spPr>
           <a:xfrm>
             <a:off x="504000" y="301320"/>
-            <a:ext cx="9071640" cy="1262160"/>
+            <a:ext cx="9070920" cy="1261440"/>
           </a:xfrm>
           <a:prstGeom prst="rect">
             <a:avLst/>
@@ -3550,7 +4423,13 @@
           </a:bodyPr>
           <a:p>
             <a:pPr indent="0" algn="ctr">
+              <a:lnSpc>
+                <a:spcPct val="100000"/>
+              </a:lnSpc>
               <a:buNone/>
+              <a:tabLst>
+                <a:tab algn="l" pos="0"/>
+              </a:tabLst>
             </a:pPr>
             <a:r>
               <a:rPr b="0" lang="bg-BG" sz="4400" spc="-1" strike="noStrike">
@@ -3572,7 +4451,7 @@
       </p:sp>
       <p:pic>
         <p:nvPicPr>
-          <p:cNvPr id="30" name="" descr=""/>
+          <p:cNvPr id="45" name="" descr=""/>
           <p:cNvPicPr/>
           <p:nvPr/>
         </p:nvPicPr>
@@ -3583,7 +4462,7 @@
         <p:spPr>
           <a:xfrm>
             <a:off x="180000" y="1800000"/>
-            <a:ext cx="3780000" cy="2571480"/>
+            <a:ext cx="3779280" cy="2570760"/>
           </a:xfrm>
           <a:prstGeom prst="rect">
             <a:avLst/>
@@ -3595,7 +4474,7 @@
       </p:pic>
       <p:pic>
         <p:nvPicPr>
-          <p:cNvPr id="31" name="" descr=""/>
+          <p:cNvPr id="46" name="" descr=""/>
           <p:cNvPicPr/>
           <p:nvPr/>
         </p:nvPicPr>
@@ -3606,7 +4485,7 @@
         <p:spPr>
           <a:xfrm>
             <a:off x="4140000" y="3097440"/>
-            <a:ext cx="5940000" cy="2842560"/>
+            <a:ext cx="5939280" cy="2841840"/>
           </a:xfrm>
           <a:prstGeom prst="rect">
             <a:avLst/>
@@ -3623,15 +4502,15 @@
             <a:spLocks noGrp="1"/>
           </p:cNvSpPr>
           <p:nvPr>
-            <p:ph type="sldNum" idx="6"/>
+            <p:ph type="sldNum" idx="5"/>
           </p:nvPr>
         </p:nvSpPr>
         <p:spPr/>
         <p:txBody>
           <a:bodyPr/>
           <a:p>
-            <a:fld id="{58C03211-5EA5-458F-B0B5-440D704B836E}" type="slidenum">
-              <a:t>7</a:t>
+            <a:fld id="{0A0651EA-4169-4D98-BBFB-683662587159}" type="slidenum">
+              <a:t>8</a:t>
             </a:fld>
           </a:p>
         </p:txBody>
@@ -3859,4 +4738,110 @@
     </a:fmtScheme>
   </a:themeElements>
 </a:theme>
+</file>
+
+<file path=ppt/theme/theme3.xml><?xml version="1.0" encoding="utf-8"?>
+<a:theme xmlns:a="http://schemas.openxmlformats.org/drawingml/2006/main" xmlns:r="http://schemas.openxmlformats.org/officeDocument/2006/relationships" name="Office">
+  <a:themeElements>
+    <a:clrScheme name="LibreOffice">
+      <a:dk1>
+        <a:srgbClr val="000000"/>
+      </a:dk1>
+      <a:lt1>
+        <a:srgbClr val="ffffff"/>
+      </a:lt1>
+      <a:dk2>
+        <a:srgbClr val="000000"/>
+      </a:dk2>
+      <a:lt2>
+        <a:srgbClr val="ffffff"/>
+      </a:lt2>
+      <a:accent1>
+        <a:srgbClr val="18a303"/>
+      </a:accent1>
+      <a:accent2>
+        <a:srgbClr val="0369a3"/>
+      </a:accent2>
+      <a:accent3>
+        <a:srgbClr val="a33e03"/>
+      </a:accent3>
+      <a:accent4>
+        <a:srgbClr val="8e03a3"/>
+      </a:accent4>
+      <a:accent5>
+        <a:srgbClr val="c99c00"/>
+      </a:accent5>
+      <a:accent6>
+        <a:srgbClr val="c9211e"/>
+      </a:accent6>
+      <a:hlink>
+        <a:srgbClr val="0000ee"/>
+      </a:hlink>
+      <a:folHlink>
+        <a:srgbClr val="551a8b"/>
+      </a:folHlink>
+    </a:clrScheme>
+    <a:fontScheme name="Office">
+      <a:majorFont>
+        <a:latin typeface="Arial" pitchFamily="0" charset="1"/>
+        <a:ea typeface="DejaVu Sans" pitchFamily="0" charset="1"/>
+        <a:cs typeface="DejaVu Sans" pitchFamily="0" charset="1"/>
+      </a:majorFont>
+      <a:minorFont>
+        <a:latin typeface="Arial" pitchFamily="0" charset="1"/>
+        <a:ea typeface="DejaVu Sans" pitchFamily="0" charset="1"/>
+        <a:cs typeface="DejaVu Sans" pitchFamily="0" charset="1"/>
+      </a:minorFont>
+    </a:fontScheme>
+    <a:fmtScheme>
+      <a:fillStyleLst>
+        <a:solidFill>
+          <a:schemeClr val="phClr"/>
+        </a:solidFill>
+        <a:solidFill>
+          <a:schemeClr val="phClr"/>
+        </a:solidFill>
+        <a:solidFill>
+          <a:schemeClr val="phClr"/>
+        </a:solidFill>
+      </a:fillStyleLst>
+      <a:lnStyleLst>
+        <a:ln w="6350" cap="flat" cmpd="sng" algn="ctr">
+          <a:prstDash val="solid"/>
+          <a:miter/>
+        </a:ln>
+        <a:ln w="6350" cap="flat" cmpd="sng" algn="ctr">
+          <a:prstDash val="solid"/>
+          <a:miter/>
+        </a:ln>
+        <a:ln w="6350" cap="flat" cmpd="sng" algn="ctr">
+          <a:prstDash val="solid"/>
+          <a:miter/>
+        </a:ln>
+      </a:lnStyleLst>
+      <a:effectStyleLst>
+        <a:effectStyle>
+          <a:effectLst/>
+        </a:effectStyle>
+        <a:effectStyle>
+          <a:effectLst/>
+        </a:effectStyle>
+        <a:effectStyle>
+          <a:effectLst/>
+        </a:effectStyle>
+      </a:effectStyleLst>
+      <a:bgFillStyleLst>
+        <a:solidFill>
+          <a:schemeClr val="phClr"/>
+        </a:solidFill>
+        <a:solidFill>
+          <a:schemeClr val="phClr"/>
+        </a:solidFill>
+        <a:solidFill>
+          <a:schemeClr val="phClr"/>
+        </a:solidFill>
+      </a:bgFillStyleLst>
+    </a:fmtScheme>
+  </a:themeElements>
+</a:theme>
 </file>